--- a/CR/CR Projet A.odp [Réparé].pptx
+++ b/CR/CR Projet A.odp [Réparé].pptx
@@ -5,23 +5,26 @@
     <p:sldMasterId id="2147483648" r:id="rId1"/>
   </p:sldMasterIdLst>
   <p:notesMasterIdLst>
-    <p:notesMasterId r:id="rId11"/>
+    <p:notesMasterId r:id="rId14"/>
   </p:notesMasterIdLst>
   <p:handoutMasterIdLst>
-    <p:handoutMasterId r:id="rId12"/>
+    <p:handoutMasterId r:id="rId15"/>
   </p:handoutMasterIdLst>
   <p:sldIdLst>
-    <p:sldId id="256" r:id="rId2"/>
-    <p:sldId id="257" r:id="rId3"/>
-    <p:sldId id="263" r:id="rId4"/>
-    <p:sldId id="262" r:id="rId5"/>
-    <p:sldId id="258" r:id="rId6"/>
-    <p:sldId id="264" r:id="rId7"/>
-    <p:sldId id="259" r:id="rId8"/>
-    <p:sldId id="260" r:id="rId9"/>
-    <p:sldId id="261" r:id="rId10"/>
+    <p:sldId id="257" r:id="rId2"/>
+    <p:sldId id="268" r:id="rId3"/>
+    <p:sldId id="267" r:id="rId4"/>
+    <p:sldId id="266" r:id="rId5"/>
+    <p:sldId id="265" r:id="rId6"/>
+    <p:sldId id="263" r:id="rId7"/>
+    <p:sldId id="262" r:id="rId8"/>
+    <p:sldId id="258" r:id="rId9"/>
+    <p:sldId id="264" r:id="rId10"/>
+    <p:sldId id="259" r:id="rId11"/>
+    <p:sldId id="260" r:id="rId12"/>
+    <p:sldId id="261" r:id="rId13"/>
   </p:sldIdLst>
-  <p:sldSz cx="10080625" cy="7559675" type="screen4x3"/>
+  <p:sldSz cx="10080625" cy="7559675"/>
   <p:notesSz cx="7559675" cy="10691813"/>
   <p:defaultTextStyle>
     <a:defPPr>
@@ -1048,6 +1051,13 @@
         </dgm:presLayoutVars>
       </dgm:prSet>
       <dgm:spPr/>
+      <dgm:t>
+        <a:bodyPr/>
+        <a:lstStyle/>
+        <a:p>
+          <a:endParaRPr lang="fr-FR"/>
+        </a:p>
+      </dgm:t>
     </dgm:pt>
     <dgm:pt modelId="{3EF7789C-AA6D-469E-A16D-AC2E40ABC42E}" type="pres">
       <dgm:prSet presAssocID="{081EBA83-2414-4E9E-800A-B5C763724611}" presName="node" presStyleLbl="node1" presStyleIdx="0" presStyleCnt="4">
@@ -1056,14 +1066,35 @@
         </dgm:presLayoutVars>
       </dgm:prSet>
       <dgm:spPr/>
+      <dgm:t>
+        <a:bodyPr/>
+        <a:lstStyle/>
+        <a:p>
+          <a:endParaRPr lang="fr-FR"/>
+        </a:p>
+      </dgm:t>
     </dgm:pt>
     <dgm:pt modelId="{FF9B454A-C8CD-42C2-9172-120BAA0EBBBA}" type="pres">
       <dgm:prSet presAssocID="{13D2959E-7E15-4C6F-A3A9-4CEEA487F5E9}" presName="sibTrans" presStyleLbl="sibTrans2D1" presStyleIdx="0" presStyleCnt="3"/>
       <dgm:spPr/>
+      <dgm:t>
+        <a:bodyPr/>
+        <a:lstStyle/>
+        <a:p>
+          <a:endParaRPr lang="fr-FR"/>
+        </a:p>
+      </dgm:t>
     </dgm:pt>
     <dgm:pt modelId="{60AFD91B-B734-4646-9608-8DE49E976014}" type="pres">
       <dgm:prSet presAssocID="{13D2959E-7E15-4C6F-A3A9-4CEEA487F5E9}" presName="connectorText" presStyleLbl="sibTrans2D1" presStyleIdx="0" presStyleCnt="3"/>
       <dgm:spPr/>
+      <dgm:t>
+        <a:bodyPr/>
+        <a:lstStyle/>
+        <a:p>
+          <a:endParaRPr lang="fr-FR"/>
+        </a:p>
+      </dgm:t>
     </dgm:pt>
     <dgm:pt modelId="{C11E835D-C6F1-47DA-A81C-6FAABFEA66E9}" type="pres">
       <dgm:prSet presAssocID="{DFBFA1C7-4727-4A34-A983-8081BAE8D26E}" presName="node" presStyleLbl="node1" presStyleIdx="1" presStyleCnt="4">
@@ -1083,10 +1114,24 @@
     <dgm:pt modelId="{8A01D897-6E68-400E-8944-A1A1B3703E10}" type="pres">
       <dgm:prSet presAssocID="{D966A369-3543-4618-8503-572C28845EC1}" presName="sibTrans" presStyleLbl="sibTrans2D1" presStyleIdx="1" presStyleCnt="3"/>
       <dgm:spPr/>
+      <dgm:t>
+        <a:bodyPr/>
+        <a:lstStyle/>
+        <a:p>
+          <a:endParaRPr lang="fr-FR"/>
+        </a:p>
+      </dgm:t>
     </dgm:pt>
     <dgm:pt modelId="{3A48876D-4910-42F6-84AA-A9B9D22E3722}" type="pres">
       <dgm:prSet presAssocID="{D966A369-3543-4618-8503-572C28845EC1}" presName="connectorText" presStyleLbl="sibTrans2D1" presStyleIdx="1" presStyleCnt="3"/>
       <dgm:spPr/>
+      <dgm:t>
+        <a:bodyPr/>
+        <a:lstStyle/>
+        <a:p>
+          <a:endParaRPr lang="fr-FR"/>
+        </a:p>
+      </dgm:t>
     </dgm:pt>
     <dgm:pt modelId="{C8EF9EBD-2819-4F1E-98AF-80E771172CA0}" type="pres">
       <dgm:prSet presAssocID="{E3AA31E1-6ED0-4122-9FC7-9E0CC6D701DC}" presName="node" presStyleLbl="node1" presStyleIdx="2" presStyleCnt="4">
@@ -1095,14 +1140,35 @@
         </dgm:presLayoutVars>
       </dgm:prSet>
       <dgm:spPr/>
+      <dgm:t>
+        <a:bodyPr/>
+        <a:lstStyle/>
+        <a:p>
+          <a:endParaRPr lang="fr-FR"/>
+        </a:p>
+      </dgm:t>
     </dgm:pt>
     <dgm:pt modelId="{9D6B2343-2517-4D1B-A576-AD93B375EF1A}" type="pres">
       <dgm:prSet presAssocID="{460CA1FF-CF86-40AB-8BCB-E75022207777}" presName="sibTrans" presStyleLbl="sibTrans2D1" presStyleIdx="2" presStyleCnt="3"/>
       <dgm:spPr/>
+      <dgm:t>
+        <a:bodyPr/>
+        <a:lstStyle/>
+        <a:p>
+          <a:endParaRPr lang="fr-FR"/>
+        </a:p>
+      </dgm:t>
     </dgm:pt>
     <dgm:pt modelId="{09561D91-56E6-4EB0-9E8C-7109B61EC1A1}" type="pres">
       <dgm:prSet presAssocID="{460CA1FF-CF86-40AB-8BCB-E75022207777}" presName="connectorText" presStyleLbl="sibTrans2D1" presStyleIdx="2" presStyleCnt="3"/>
       <dgm:spPr/>
+      <dgm:t>
+        <a:bodyPr/>
+        <a:lstStyle/>
+        <a:p>
+          <a:endParaRPr lang="fr-FR"/>
+        </a:p>
+      </dgm:t>
     </dgm:pt>
     <dgm:pt modelId="{50ED3058-BC8E-4EE7-902B-E076B6ADC389}" type="pres">
       <dgm:prSet presAssocID="{A37736E2-D91A-4FE8-AE20-6722F419A9BC}" presName="node" presStyleLbl="node1" presStyleIdx="3" presStyleCnt="4">
@@ -1111,34 +1177,41 @@
         </dgm:presLayoutVars>
       </dgm:prSet>
       <dgm:spPr/>
+      <dgm:t>
+        <a:bodyPr/>
+        <a:lstStyle/>
+        <a:p>
+          <a:endParaRPr lang="fr-FR"/>
+        </a:p>
+      </dgm:t>
     </dgm:pt>
   </dgm:ptLst>
   <dgm:cxnLst>
-    <dgm:cxn modelId="{4A4948BA-9A92-44ED-9988-9C1587F9F3BE}" type="presOf" srcId="{081EBA83-2414-4E9E-800A-B5C763724611}" destId="{3EF7789C-AA6D-469E-A16D-AC2E40ABC42E}" srcOrd="0" destOrd="0" presId="urn:microsoft.com/office/officeart/2005/8/layout/process5"/>
-    <dgm:cxn modelId="{66A64A98-DBEB-4CA8-8D79-B55226301825}" type="presOf" srcId="{DFBFA1C7-4727-4A34-A983-8081BAE8D26E}" destId="{C11E835D-C6F1-47DA-A81C-6FAABFEA66E9}" srcOrd="0" destOrd="0" presId="urn:microsoft.com/office/officeart/2005/8/layout/process5"/>
+    <dgm:cxn modelId="{8203D3F8-2C70-4718-8ACA-0FE6CA30498F}" srcId="{457E6002-3E16-426B-947E-5B0CDE057D96}" destId="{DFBFA1C7-4727-4A34-A983-8081BAE8D26E}" srcOrd="1" destOrd="0" parTransId="{9705D748-E4B0-465A-A441-89914F233113}" sibTransId="{D966A369-3543-4618-8503-572C28845EC1}"/>
+    <dgm:cxn modelId="{8855C49E-D9B5-4E84-8497-D9BDD49AA4F3}" type="presOf" srcId="{13D2959E-7E15-4C6F-A3A9-4CEEA487F5E9}" destId="{FF9B454A-C8CD-42C2-9172-120BAA0EBBBA}" srcOrd="0" destOrd="0" presId="urn:microsoft.com/office/officeart/2005/8/layout/process5"/>
+    <dgm:cxn modelId="{10CC6F8F-1445-4E58-8B27-3A0C766FAADE}" type="presOf" srcId="{457E6002-3E16-426B-947E-5B0CDE057D96}" destId="{13CC8CB0-B0EF-4E23-B809-A296B84331CB}" srcOrd="0" destOrd="0" presId="urn:microsoft.com/office/officeart/2005/8/layout/process5"/>
+    <dgm:cxn modelId="{7BF47428-9FDF-4329-AD97-BD66EFD875CA}" type="presOf" srcId="{D966A369-3543-4618-8503-572C28845EC1}" destId="{3A48876D-4910-42F6-84AA-A9B9D22E3722}" srcOrd="1" destOrd="0" presId="urn:microsoft.com/office/officeart/2005/8/layout/process5"/>
+    <dgm:cxn modelId="{FB6F2EFE-5AEA-4CDD-AF10-DC6E3E3FBF42}" type="presOf" srcId="{DFBFA1C7-4727-4A34-A983-8081BAE8D26E}" destId="{C11E835D-C6F1-47DA-A81C-6FAABFEA66E9}" srcOrd="0" destOrd="0" presId="urn:microsoft.com/office/officeart/2005/8/layout/process5"/>
+    <dgm:cxn modelId="{DF810C43-9D33-47A1-8617-46542B209FE2}" type="presOf" srcId="{081EBA83-2414-4E9E-800A-B5C763724611}" destId="{3EF7789C-AA6D-469E-A16D-AC2E40ABC42E}" srcOrd="0" destOrd="0" presId="urn:microsoft.com/office/officeart/2005/8/layout/process5"/>
+    <dgm:cxn modelId="{782A5931-A7E0-41CF-B061-B6BCA7783D96}" type="presOf" srcId="{D966A369-3543-4618-8503-572C28845EC1}" destId="{8A01D897-6E68-400E-8944-A1A1B3703E10}" srcOrd="0" destOrd="0" presId="urn:microsoft.com/office/officeart/2005/8/layout/process5"/>
+    <dgm:cxn modelId="{47EC287C-0FAB-4081-913A-E7A0A7DB1E66}" type="presOf" srcId="{A37736E2-D91A-4FE8-AE20-6722F419A9BC}" destId="{50ED3058-BC8E-4EE7-902B-E076B6ADC389}" srcOrd="0" destOrd="0" presId="urn:microsoft.com/office/officeart/2005/8/layout/process5"/>
+    <dgm:cxn modelId="{320A0AC7-4EAA-4C75-8E4C-64B42C6DE7FE}" type="presOf" srcId="{460CA1FF-CF86-40AB-8BCB-E75022207777}" destId="{9D6B2343-2517-4D1B-A576-AD93B375EF1A}" srcOrd="0" destOrd="0" presId="urn:microsoft.com/office/officeart/2005/8/layout/process5"/>
+    <dgm:cxn modelId="{41788C8F-6DA1-49F5-B6FA-9D4D666E93BC}" type="presOf" srcId="{13D2959E-7E15-4C6F-A3A9-4CEEA487F5E9}" destId="{60AFD91B-B734-4646-9608-8DE49E976014}" srcOrd="1" destOrd="0" presId="urn:microsoft.com/office/officeart/2005/8/layout/process5"/>
+    <dgm:cxn modelId="{11A02F3B-4C05-4074-839E-2B9D0CA22AFC}" type="presOf" srcId="{E3AA31E1-6ED0-4122-9FC7-9E0CC6D701DC}" destId="{C8EF9EBD-2819-4F1E-98AF-80E771172CA0}" srcOrd="0" destOrd="0" presId="urn:microsoft.com/office/officeart/2005/8/layout/process5"/>
     <dgm:cxn modelId="{350716DE-B410-43CB-B25A-ABECEAF6E51E}" srcId="{457E6002-3E16-426B-947E-5B0CDE057D96}" destId="{A37736E2-D91A-4FE8-AE20-6722F419A9BC}" srcOrd="3" destOrd="0" parTransId="{3F8BEF48-7E0C-4D90-9E7D-027D016312EA}" sibTransId="{10595F2B-93C4-4ED3-A1DC-E61AF2CBD152}"/>
-    <dgm:cxn modelId="{BD90E556-CC21-4B18-A5E1-25E9CCDFD0CA}" type="presOf" srcId="{A37736E2-D91A-4FE8-AE20-6722F419A9BC}" destId="{50ED3058-BC8E-4EE7-902B-E076B6ADC389}" srcOrd="0" destOrd="0" presId="urn:microsoft.com/office/officeart/2005/8/layout/process5"/>
+    <dgm:cxn modelId="{051A46CA-70AC-4F60-B093-598C3A3A55F3}" type="presOf" srcId="{460CA1FF-CF86-40AB-8BCB-E75022207777}" destId="{09561D91-56E6-4EB0-9E8C-7109B61EC1A1}" srcOrd="1" destOrd="0" presId="urn:microsoft.com/office/officeart/2005/8/layout/process5"/>
     <dgm:cxn modelId="{E74FF4AA-F744-4E49-A5C0-A7DBF4E8DC80}" srcId="{457E6002-3E16-426B-947E-5B0CDE057D96}" destId="{E3AA31E1-6ED0-4122-9FC7-9E0CC6D701DC}" srcOrd="2" destOrd="0" parTransId="{F1528AC1-FF19-4B4B-8718-B7C6A14EB85F}" sibTransId="{460CA1FF-CF86-40AB-8BCB-E75022207777}"/>
-    <dgm:cxn modelId="{9935556F-2D19-4BD3-8685-CA585D0B7A3F}" type="presOf" srcId="{460CA1FF-CF86-40AB-8BCB-E75022207777}" destId="{9D6B2343-2517-4D1B-A576-AD93B375EF1A}" srcOrd="0" destOrd="0" presId="urn:microsoft.com/office/officeart/2005/8/layout/process5"/>
-    <dgm:cxn modelId="{F60A66D1-E22C-4D40-91E7-F110DE353279}" type="presOf" srcId="{457E6002-3E16-426B-947E-5B0CDE057D96}" destId="{13CC8CB0-B0EF-4E23-B809-A296B84331CB}" srcOrd="0" destOrd="0" presId="urn:microsoft.com/office/officeart/2005/8/layout/process5"/>
-    <dgm:cxn modelId="{8203D3F8-2C70-4718-8ACA-0FE6CA30498F}" srcId="{457E6002-3E16-426B-947E-5B0CDE057D96}" destId="{DFBFA1C7-4727-4A34-A983-8081BAE8D26E}" srcOrd="1" destOrd="0" parTransId="{9705D748-E4B0-465A-A441-89914F233113}" sibTransId="{D966A369-3543-4618-8503-572C28845EC1}"/>
-    <dgm:cxn modelId="{1E5D3709-2073-44F7-953C-2FA6443C3215}" type="presOf" srcId="{E3AA31E1-6ED0-4122-9FC7-9E0CC6D701DC}" destId="{C8EF9EBD-2819-4F1E-98AF-80E771172CA0}" srcOrd="0" destOrd="0" presId="urn:microsoft.com/office/officeart/2005/8/layout/process5"/>
-    <dgm:cxn modelId="{0E4D0392-F450-45E6-8E02-28CD99D0466B}" type="presOf" srcId="{13D2959E-7E15-4C6F-A3A9-4CEEA487F5E9}" destId="{FF9B454A-C8CD-42C2-9172-120BAA0EBBBA}" srcOrd="0" destOrd="0" presId="urn:microsoft.com/office/officeart/2005/8/layout/process5"/>
-    <dgm:cxn modelId="{7D459062-85B7-4B14-AE22-E0F94603ABF3}" type="presOf" srcId="{460CA1FF-CF86-40AB-8BCB-E75022207777}" destId="{09561D91-56E6-4EB0-9E8C-7109B61EC1A1}" srcOrd="1" destOrd="0" presId="urn:microsoft.com/office/officeart/2005/8/layout/process5"/>
-    <dgm:cxn modelId="{0A70C729-D082-48C9-9611-5669C68F421E}" type="presOf" srcId="{13D2959E-7E15-4C6F-A3A9-4CEEA487F5E9}" destId="{60AFD91B-B734-4646-9608-8DE49E976014}" srcOrd="1" destOrd="0" presId="urn:microsoft.com/office/officeart/2005/8/layout/process5"/>
-    <dgm:cxn modelId="{FBADD98B-BE67-47E4-9105-85CA44D22FDB}" type="presOf" srcId="{D966A369-3543-4618-8503-572C28845EC1}" destId="{8A01D897-6E68-400E-8944-A1A1B3703E10}" srcOrd="0" destOrd="0" presId="urn:microsoft.com/office/officeart/2005/8/layout/process5"/>
     <dgm:cxn modelId="{6745F8E2-0A60-4970-882E-75D9D2CAB39C}" srcId="{457E6002-3E16-426B-947E-5B0CDE057D96}" destId="{081EBA83-2414-4E9E-800A-B5C763724611}" srcOrd="0" destOrd="0" parTransId="{A38E6D8C-AF34-4760-B401-F148AC01F069}" sibTransId="{13D2959E-7E15-4C6F-A3A9-4CEEA487F5E9}"/>
-    <dgm:cxn modelId="{746FB2A5-3F67-4429-B116-140C13933BB1}" type="presOf" srcId="{D966A369-3543-4618-8503-572C28845EC1}" destId="{3A48876D-4910-42F6-84AA-A9B9D22E3722}" srcOrd="1" destOrd="0" presId="urn:microsoft.com/office/officeart/2005/8/layout/process5"/>
-    <dgm:cxn modelId="{6152EE50-958D-4C38-B62B-72FD41C50243}" type="presParOf" srcId="{13CC8CB0-B0EF-4E23-B809-A296B84331CB}" destId="{3EF7789C-AA6D-469E-A16D-AC2E40ABC42E}" srcOrd="0" destOrd="0" presId="urn:microsoft.com/office/officeart/2005/8/layout/process5"/>
-    <dgm:cxn modelId="{5872D6CF-B42B-41CE-91F3-9794FCA72346}" type="presParOf" srcId="{13CC8CB0-B0EF-4E23-B809-A296B84331CB}" destId="{FF9B454A-C8CD-42C2-9172-120BAA0EBBBA}" srcOrd="1" destOrd="0" presId="urn:microsoft.com/office/officeart/2005/8/layout/process5"/>
-    <dgm:cxn modelId="{49EB48C4-46C4-40C8-86A6-2AD471D3F557}" type="presParOf" srcId="{FF9B454A-C8CD-42C2-9172-120BAA0EBBBA}" destId="{60AFD91B-B734-4646-9608-8DE49E976014}" srcOrd="0" destOrd="0" presId="urn:microsoft.com/office/officeart/2005/8/layout/process5"/>
-    <dgm:cxn modelId="{031C5F5E-FD22-4406-92E4-52AAF2829B8F}" type="presParOf" srcId="{13CC8CB0-B0EF-4E23-B809-A296B84331CB}" destId="{C11E835D-C6F1-47DA-A81C-6FAABFEA66E9}" srcOrd="2" destOrd="0" presId="urn:microsoft.com/office/officeart/2005/8/layout/process5"/>
-    <dgm:cxn modelId="{38603D06-5A6B-4E7A-8C53-23859B67490D}" type="presParOf" srcId="{13CC8CB0-B0EF-4E23-B809-A296B84331CB}" destId="{8A01D897-6E68-400E-8944-A1A1B3703E10}" srcOrd="3" destOrd="0" presId="urn:microsoft.com/office/officeart/2005/8/layout/process5"/>
-    <dgm:cxn modelId="{F30B42D8-17BD-4E32-BD92-62F5492C4966}" type="presParOf" srcId="{8A01D897-6E68-400E-8944-A1A1B3703E10}" destId="{3A48876D-4910-42F6-84AA-A9B9D22E3722}" srcOrd="0" destOrd="0" presId="urn:microsoft.com/office/officeart/2005/8/layout/process5"/>
-    <dgm:cxn modelId="{2FE43511-3004-478F-BF56-9A5A54E5E555}" type="presParOf" srcId="{13CC8CB0-B0EF-4E23-B809-A296B84331CB}" destId="{C8EF9EBD-2819-4F1E-98AF-80E771172CA0}" srcOrd="4" destOrd="0" presId="urn:microsoft.com/office/officeart/2005/8/layout/process5"/>
-    <dgm:cxn modelId="{B6374800-49E8-4264-B149-B0738026B484}" type="presParOf" srcId="{13CC8CB0-B0EF-4E23-B809-A296B84331CB}" destId="{9D6B2343-2517-4D1B-A576-AD93B375EF1A}" srcOrd="5" destOrd="0" presId="urn:microsoft.com/office/officeart/2005/8/layout/process5"/>
-    <dgm:cxn modelId="{36583FE2-3C49-4EC9-8B07-57DB5B8BD549}" type="presParOf" srcId="{9D6B2343-2517-4D1B-A576-AD93B375EF1A}" destId="{09561D91-56E6-4EB0-9E8C-7109B61EC1A1}" srcOrd="0" destOrd="0" presId="urn:microsoft.com/office/officeart/2005/8/layout/process5"/>
-    <dgm:cxn modelId="{75B043E6-DFBC-41B5-A52E-AFAC1744EB8F}" type="presParOf" srcId="{13CC8CB0-B0EF-4E23-B809-A296B84331CB}" destId="{50ED3058-BC8E-4EE7-902B-E076B6ADC389}" srcOrd="6" destOrd="0" presId="urn:microsoft.com/office/officeart/2005/8/layout/process5"/>
+    <dgm:cxn modelId="{25433946-6000-4901-A3CF-B6E79D00D882}" type="presParOf" srcId="{13CC8CB0-B0EF-4E23-B809-A296B84331CB}" destId="{3EF7789C-AA6D-469E-A16D-AC2E40ABC42E}" srcOrd="0" destOrd="0" presId="urn:microsoft.com/office/officeart/2005/8/layout/process5"/>
+    <dgm:cxn modelId="{48463091-FF7E-42F4-A89A-0A09857B4D35}" type="presParOf" srcId="{13CC8CB0-B0EF-4E23-B809-A296B84331CB}" destId="{FF9B454A-C8CD-42C2-9172-120BAA0EBBBA}" srcOrd="1" destOrd="0" presId="urn:microsoft.com/office/officeart/2005/8/layout/process5"/>
+    <dgm:cxn modelId="{90D577D6-9238-412B-9111-44AF78BF3BBD}" type="presParOf" srcId="{FF9B454A-C8CD-42C2-9172-120BAA0EBBBA}" destId="{60AFD91B-B734-4646-9608-8DE49E976014}" srcOrd="0" destOrd="0" presId="urn:microsoft.com/office/officeart/2005/8/layout/process5"/>
+    <dgm:cxn modelId="{A734458F-6117-406D-B468-66A628210C86}" type="presParOf" srcId="{13CC8CB0-B0EF-4E23-B809-A296B84331CB}" destId="{C11E835D-C6F1-47DA-A81C-6FAABFEA66E9}" srcOrd="2" destOrd="0" presId="urn:microsoft.com/office/officeart/2005/8/layout/process5"/>
+    <dgm:cxn modelId="{017B26B3-CFA0-493A-B9F5-7AD4DE7EEE71}" type="presParOf" srcId="{13CC8CB0-B0EF-4E23-B809-A296B84331CB}" destId="{8A01D897-6E68-400E-8944-A1A1B3703E10}" srcOrd="3" destOrd="0" presId="urn:microsoft.com/office/officeart/2005/8/layout/process5"/>
+    <dgm:cxn modelId="{2AE89166-9814-41BD-817B-6CB5418340FE}" type="presParOf" srcId="{8A01D897-6E68-400E-8944-A1A1B3703E10}" destId="{3A48876D-4910-42F6-84AA-A9B9D22E3722}" srcOrd="0" destOrd="0" presId="urn:microsoft.com/office/officeart/2005/8/layout/process5"/>
+    <dgm:cxn modelId="{6589DD98-325C-4C4F-8AC4-4C6CF4A0464E}" type="presParOf" srcId="{13CC8CB0-B0EF-4E23-B809-A296B84331CB}" destId="{C8EF9EBD-2819-4F1E-98AF-80E771172CA0}" srcOrd="4" destOrd="0" presId="urn:microsoft.com/office/officeart/2005/8/layout/process5"/>
+    <dgm:cxn modelId="{8DDB1E35-154A-45FA-876D-52C9C5E15AA1}" type="presParOf" srcId="{13CC8CB0-B0EF-4E23-B809-A296B84331CB}" destId="{9D6B2343-2517-4D1B-A576-AD93B375EF1A}" srcOrd="5" destOrd="0" presId="urn:microsoft.com/office/officeart/2005/8/layout/process5"/>
+    <dgm:cxn modelId="{FA8F9F5F-CBB3-4DB8-8545-5E24C6F17051}" type="presParOf" srcId="{9D6B2343-2517-4D1B-A576-AD93B375EF1A}" destId="{09561D91-56E6-4EB0-9E8C-7109B61EC1A1}" srcOrd="0" destOrd="0" presId="urn:microsoft.com/office/officeart/2005/8/layout/process5"/>
+    <dgm:cxn modelId="{809184B9-B7FE-4E3F-8376-25DA4B7BA2A4}" type="presParOf" srcId="{13CC8CB0-B0EF-4E23-B809-A296B84331CB}" destId="{50ED3058-BC8E-4EE7-902B-E076B6ADC389}" srcOrd="6" destOrd="0" presId="urn:microsoft.com/office/officeart/2005/8/layout/process5"/>
   </dgm:cxnLst>
   <dgm:bg/>
   <dgm:whole/>
@@ -3550,72 +3623,6 @@
           </p:nvPr>
         </p:nvSpPr>
         <p:spPr>
-          <a:solidFill>
-            <a:srgbClr val="4F81BD"/>
-          </a:solidFill>
-          <a:ln w="25560">
-            <a:solidFill>
-              <a:srgbClr val="385D8A"/>
-            </a:solidFill>
-            <a:prstDash val="solid"/>
-          </a:ln>
-        </p:spPr>
-      </p:sp>
-      <p:sp>
-        <p:nvSpPr>
-          <p:cNvPr id="3" name="Espace réservé des commentaires 2"/>
-          <p:cNvSpPr txBox="1">
-            <a:spLocks noGrp="1"/>
-          </p:cNvSpPr>
-          <p:nvPr>
-            <p:ph type="body" sz="quarter" idx="1"/>
-          </p:nvPr>
-        </p:nvSpPr>
-        <p:spPr/>
-        <p:txBody>
-          <a:bodyPr/>
-          <a:lstStyle/>
-          <a:p>
-            <a:endParaRPr lang="fr-FR"/>
-          </a:p>
-        </p:txBody>
-      </p:sp>
-    </p:spTree>
-  </p:cSld>
-  <p:clrMapOvr>
-    <a:masterClrMapping/>
-  </p:clrMapOvr>
-</p:notes>
-</file>
-
-<file path=ppt/notesSlides/notesSlide2.xml><?xml version="1.0" encoding="utf-8"?>
-<p:notes xmlns:a="http://schemas.openxmlformats.org/drawingml/2006/main" xmlns:r="http://schemas.openxmlformats.org/officeDocument/2006/relationships" xmlns:p="http://schemas.openxmlformats.org/presentationml/2006/main">
-  <p:cSld>
-    <p:spTree>
-      <p:nvGrpSpPr>
-        <p:cNvPr id="1" name=""/>
-        <p:cNvGrpSpPr/>
-        <p:nvPr/>
-      </p:nvGrpSpPr>
-      <p:grpSpPr>
-        <a:xfrm>
-          <a:off x="0" y="0"/>
-          <a:ext cx="0" cy="0"/>
-          <a:chOff x="0" y="0"/>
-          <a:chExt cx="0" cy="0"/>
-        </a:xfrm>
-      </p:grpSpPr>
-      <p:sp>
-        <p:nvSpPr>
-          <p:cNvPr id="2" name="Espace réservé de l'image des diapositives 1"/>
-          <p:cNvSpPr>
-            <a:spLocks noGrp="1" noRot="1" noChangeAspect="1" noResize="1"/>
-          </p:cNvSpPr>
-          <p:nvPr>
-            <p:ph type="sldImg"/>
-          </p:nvPr>
-        </p:nvSpPr>
-        <p:spPr>
           <a:xfrm>
             <a:off x="1106488" y="812800"/>
             <a:ext cx="5345112" cy="4008438"/>
@@ -3658,7 +3665,7 @@
 </p:notes>
 </file>
 
-<file path=ppt/notesSlides/notesSlide3.xml><?xml version="1.0" encoding="utf-8"?>
+<file path=ppt/notesSlides/notesSlide10.xml><?xml version="1.0" encoding="utf-8"?>
 <p:notes xmlns:a="http://schemas.openxmlformats.org/drawingml/2006/main" xmlns:r="http://schemas.openxmlformats.org/officeDocument/2006/relationships" xmlns:p="http://schemas.openxmlformats.org/presentationml/2006/main">
   <p:cSld>
     <p:spTree>
@@ -3679,7 +3686,7 @@
         <p:nvSpPr>
           <p:cNvPr id="2" name="Espace réservé de l'image des diapositives 1"/>
           <p:cNvSpPr>
-            <a:spLocks noGrp="1" noRot="1" noChangeAspect="1" noResize="1"/>
+            <a:spLocks noGrp="1" noRot="1" noChangeAspect="1"/>
           </p:cNvSpPr>
           <p:nvPr>
             <p:ph type="sldImg"/>
@@ -3687,19 +3694,26 @@
         </p:nvSpPr>
         <p:spPr>
           <a:xfrm>
-            <a:off x="1106488" y="812800"/>
-            <a:ext cx="5345112" cy="4008438"/>
+            <a:off x="1106640" y="812880"/>
+            <a:ext cx="5345280" cy="4008600"/>
           </a:xfrm>
-          <a:solidFill>
-            <a:srgbClr val="4F81BD"/>
-          </a:solidFill>
-          <a:ln w="25560">
-            <a:solidFill>
-              <a:srgbClr val="385D8A"/>
-            </a:solidFill>
-            <a:prstDash val="solid"/>
-          </a:ln>
         </p:spPr>
+        <p:style>
+          <a:lnRef idx="2">
+            <a:schemeClr val="accent1">
+              <a:shade val="50000"/>
+            </a:schemeClr>
+          </a:lnRef>
+          <a:fillRef idx="1">
+            <a:schemeClr val="accent1"/>
+          </a:fillRef>
+          <a:effectRef idx="0">
+            <a:schemeClr val="accent1"/>
+          </a:effectRef>
+          <a:fontRef idx="minor">
+            <a:schemeClr val="lt1"/>
+          </a:fontRef>
+        </p:style>
       </p:sp>
       <p:sp>
         <p:nvSpPr>
@@ -3711,9 +3725,16 @@
             <p:ph type="body" sz="quarter" idx="1"/>
           </p:nvPr>
         </p:nvSpPr>
-        <p:spPr/>
+        <p:spPr>
+          <a:xfrm>
+            <a:off x="756000" y="5078520"/>
+            <a:ext cx="6047640" cy="4811400"/>
+          </a:xfrm>
+        </p:spPr>
         <p:txBody>
-          <a:bodyPr/>
+          <a:bodyPr>
+            <a:spAutoFit/>
+          </a:bodyPr>
           <a:lstStyle/>
           <a:p>
             <a:endParaRPr lang="fr-FR"/>
@@ -3728,77 +3749,7 @@
 </p:notes>
 </file>
 
-<file path=ppt/notesSlides/notesSlide4.xml><?xml version="1.0" encoding="utf-8"?>
-<p:notes xmlns:a="http://schemas.openxmlformats.org/drawingml/2006/main" xmlns:r="http://schemas.openxmlformats.org/officeDocument/2006/relationships" xmlns:p="http://schemas.openxmlformats.org/presentationml/2006/main">
-  <p:cSld>
-    <p:spTree>
-      <p:nvGrpSpPr>
-        <p:cNvPr id="1" name=""/>
-        <p:cNvGrpSpPr/>
-        <p:nvPr/>
-      </p:nvGrpSpPr>
-      <p:grpSpPr>
-        <a:xfrm>
-          <a:off x="0" y="0"/>
-          <a:ext cx="0" cy="0"/>
-          <a:chOff x="0" y="0"/>
-          <a:chExt cx="0" cy="0"/>
-        </a:xfrm>
-      </p:grpSpPr>
-      <p:sp>
-        <p:nvSpPr>
-          <p:cNvPr id="2" name="Espace réservé de l'image des diapositives 1"/>
-          <p:cNvSpPr>
-            <a:spLocks noGrp="1" noRot="1" noChangeAspect="1" noResize="1"/>
-          </p:cNvSpPr>
-          <p:nvPr>
-            <p:ph type="sldImg"/>
-          </p:nvPr>
-        </p:nvSpPr>
-        <p:spPr>
-          <a:xfrm>
-            <a:off x="1106488" y="812800"/>
-            <a:ext cx="5345112" cy="4008438"/>
-          </a:xfrm>
-          <a:solidFill>
-            <a:srgbClr val="4F81BD"/>
-          </a:solidFill>
-          <a:ln w="25560">
-            <a:solidFill>
-              <a:srgbClr val="385D8A"/>
-            </a:solidFill>
-            <a:prstDash val="solid"/>
-          </a:ln>
-        </p:spPr>
-      </p:sp>
-      <p:sp>
-        <p:nvSpPr>
-          <p:cNvPr id="3" name="Espace réservé des commentaires 2"/>
-          <p:cNvSpPr txBox="1">
-            <a:spLocks noGrp="1"/>
-          </p:cNvSpPr>
-          <p:nvPr>
-            <p:ph type="body" sz="quarter" idx="1"/>
-          </p:nvPr>
-        </p:nvSpPr>
-        <p:spPr/>
-        <p:txBody>
-          <a:bodyPr/>
-          <a:lstStyle/>
-          <a:p>
-            <a:endParaRPr lang="fr-FR"/>
-          </a:p>
-        </p:txBody>
-      </p:sp>
-    </p:spTree>
-  </p:cSld>
-  <p:clrMapOvr>
-    <a:masterClrMapping/>
-  </p:clrMapOvr>
-</p:notes>
-</file>
-
-<file path=ppt/notesSlides/notesSlide5.xml><?xml version="1.0" encoding="utf-8"?>
+<file path=ppt/notesSlides/notesSlide11.xml><?xml version="1.0" encoding="utf-8"?>
 <p:notes xmlns:a="http://schemas.openxmlformats.org/drawingml/2006/main" xmlns:r="http://schemas.openxmlformats.org/officeDocument/2006/relationships" xmlns:p="http://schemas.openxmlformats.org/presentationml/2006/main">
   <p:cSld>
     <p:spTree>
@@ -3882,7 +3833,493 @@
 </p:notes>
 </file>
 
+<file path=ppt/notesSlides/notesSlide12.xml><?xml version="1.0" encoding="utf-8"?>
+<p:notes xmlns:a="http://schemas.openxmlformats.org/drawingml/2006/main" xmlns:r="http://schemas.openxmlformats.org/officeDocument/2006/relationships" xmlns:p="http://schemas.openxmlformats.org/presentationml/2006/main">
+  <p:cSld>
+    <p:spTree>
+      <p:nvGrpSpPr>
+        <p:cNvPr id="1" name=""/>
+        <p:cNvGrpSpPr/>
+        <p:nvPr/>
+      </p:nvGrpSpPr>
+      <p:grpSpPr>
+        <a:xfrm>
+          <a:off x="0" y="0"/>
+          <a:ext cx="0" cy="0"/>
+          <a:chOff x="0" y="0"/>
+          <a:chExt cx="0" cy="0"/>
+        </a:xfrm>
+      </p:grpSpPr>
+      <p:sp>
+        <p:nvSpPr>
+          <p:cNvPr id="2" name="Espace réservé de l'image des diapositives 1"/>
+          <p:cNvSpPr>
+            <a:spLocks noGrp="1" noRot="1" noChangeAspect="1" noResize="1"/>
+          </p:cNvSpPr>
+          <p:nvPr>
+            <p:ph type="sldImg"/>
+          </p:nvPr>
+        </p:nvSpPr>
+        <p:spPr>
+          <a:solidFill>
+            <a:srgbClr val="4F81BD"/>
+          </a:solidFill>
+          <a:ln w="25560">
+            <a:solidFill>
+              <a:srgbClr val="385D8A"/>
+            </a:solidFill>
+            <a:prstDash val="solid"/>
+          </a:ln>
+        </p:spPr>
+      </p:sp>
+      <p:sp>
+        <p:nvSpPr>
+          <p:cNvPr id="3" name="Espace réservé des commentaires 2"/>
+          <p:cNvSpPr txBox="1">
+            <a:spLocks noGrp="1"/>
+          </p:cNvSpPr>
+          <p:nvPr>
+            <p:ph type="body" sz="quarter" idx="1"/>
+          </p:nvPr>
+        </p:nvSpPr>
+        <p:spPr/>
+        <p:txBody>
+          <a:bodyPr/>
+          <a:lstStyle/>
+          <a:p>
+            <a:endParaRPr lang="fr-FR"/>
+          </a:p>
+        </p:txBody>
+      </p:sp>
+    </p:spTree>
+  </p:cSld>
+  <p:clrMapOvr>
+    <a:masterClrMapping/>
+  </p:clrMapOvr>
+</p:notes>
+</file>
+
+<file path=ppt/notesSlides/notesSlide2.xml><?xml version="1.0" encoding="utf-8"?>
+<p:notes xmlns:a="http://schemas.openxmlformats.org/drawingml/2006/main" xmlns:r="http://schemas.openxmlformats.org/officeDocument/2006/relationships" xmlns:p="http://schemas.openxmlformats.org/presentationml/2006/main">
+  <p:cSld>
+    <p:spTree>
+      <p:nvGrpSpPr>
+        <p:cNvPr id="1" name=""/>
+        <p:cNvGrpSpPr/>
+        <p:nvPr/>
+      </p:nvGrpSpPr>
+      <p:grpSpPr>
+        <a:xfrm>
+          <a:off x="0" y="0"/>
+          <a:ext cx="0" cy="0"/>
+          <a:chOff x="0" y="0"/>
+          <a:chExt cx="0" cy="0"/>
+        </a:xfrm>
+      </p:grpSpPr>
+      <p:sp>
+        <p:nvSpPr>
+          <p:cNvPr id="2" name="Espace réservé de l'image des diapositives 1"/>
+          <p:cNvSpPr>
+            <a:spLocks noGrp="1" noRot="1" noChangeAspect="1" noResize="1"/>
+          </p:cNvSpPr>
+          <p:nvPr>
+            <p:ph type="sldImg"/>
+          </p:nvPr>
+        </p:nvSpPr>
+        <p:spPr>
+          <a:xfrm>
+            <a:off x="1106488" y="812800"/>
+            <a:ext cx="5345112" cy="4008438"/>
+          </a:xfrm>
+          <a:solidFill>
+            <a:srgbClr val="4F81BD"/>
+          </a:solidFill>
+          <a:ln w="25560">
+            <a:solidFill>
+              <a:srgbClr val="385D8A"/>
+            </a:solidFill>
+            <a:prstDash val="solid"/>
+          </a:ln>
+        </p:spPr>
+      </p:sp>
+      <p:sp>
+        <p:nvSpPr>
+          <p:cNvPr id="3" name="Espace réservé des commentaires 2"/>
+          <p:cNvSpPr txBox="1">
+            <a:spLocks noGrp="1"/>
+          </p:cNvSpPr>
+          <p:nvPr>
+            <p:ph type="body" sz="quarter" idx="1"/>
+          </p:nvPr>
+        </p:nvSpPr>
+        <p:spPr/>
+        <p:txBody>
+          <a:bodyPr/>
+          <a:lstStyle/>
+          <a:p>
+            <a:endParaRPr lang="fr-FR"/>
+          </a:p>
+        </p:txBody>
+      </p:sp>
+    </p:spTree>
+  </p:cSld>
+  <p:clrMapOvr>
+    <a:masterClrMapping/>
+  </p:clrMapOvr>
+</p:notes>
+</file>
+
+<file path=ppt/notesSlides/notesSlide3.xml><?xml version="1.0" encoding="utf-8"?>
+<p:notes xmlns:a="http://schemas.openxmlformats.org/drawingml/2006/main" xmlns:r="http://schemas.openxmlformats.org/officeDocument/2006/relationships" xmlns:p="http://schemas.openxmlformats.org/presentationml/2006/main">
+  <p:cSld>
+    <p:spTree>
+      <p:nvGrpSpPr>
+        <p:cNvPr id="1" name=""/>
+        <p:cNvGrpSpPr/>
+        <p:nvPr/>
+      </p:nvGrpSpPr>
+      <p:grpSpPr>
+        <a:xfrm>
+          <a:off x="0" y="0"/>
+          <a:ext cx="0" cy="0"/>
+          <a:chOff x="0" y="0"/>
+          <a:chExt cx="0" cy="0"/>
+        </a:xfrm>
+      </p:grpSpPr>
+      <p:sp>
+        <p:nvSpPr>
+          <p:cNvPr id="2" name="Espace réservé de l'image des diapositives 1"/>
+          <p:cNvSpPr>
+            <a:spLocks noGrp="1" noRot="1" noChangeAspect="1" noResize="1"/>
+          </p:cNvSpPr>
+          <p:nvPr>
+            <p:ph type="sldImg"/>
+          </p:nvPr>
+        </p:nvSpPr>
+        <p:spPr>
+          <a:xfrm>
+            <a:off x="1106488" y="812800"/>
+            <a:ext cx="5345112" cy="4008438"/>
+          </a:xfrm>
+          <a:solidFill>
+            <a:srgbClr val="4F81BD"/>
+          </a:solidFill>
+          <a:ln w="25560">
+            <a:solidFill>
+              <a:srgbClr val="385D8A"/>
+            </a:solidFill>
+            <a:prstDash val="solid"/>
+          </a:ln>
+        </p:spPr>
+      </p:sp>
+      <p:sp>
+        <p:nvSpPr>
+          <p:cNvPr id="3" name="Espace réservé des commentaires 2"/>
+          <p:cNvSpPr txBox="1">
+            <a:spLocks noGrp="1"/>
+          </p:cNvSpPr>
+          <p:nvPr>
+            <p:ph type="body" sz="quarter" idx="1"/>
+          </p:nvPr>
+        </p:nvSpPr>
+        <p:spPr/>
+        <p:txBody>
+          <a:bodyPr/>
+          <a:lstStyle/>
+          <a:p>
+            <a:endParaRPr lang="fr-FR"/>
+          </a:p>
+        </p:txBody>
+      </p:sp>
+    </p:spTree>
+  </p:cSld>
+  <p:clrMapOvr>
+    <a:masterClrMapping/>
+  </p:clrMapOvr>
+</p:notes>
+</file>
+
+<file path=ppt/notesSlides/notesSlide4.xml><?xml version="1.0" encoding="utf-8"?>
+<p:notes xmlns:a="http://schemas.openxmlformats.org/drawingml/2006/main" xmlns:r="http://schemas.openxmlformats.org/officeDocument/2006/relationships" xmlns:p="http://schemas.openxmlformats.org/presentationml/2006/main">
+  <p:cSld>
+    <p:spTree>
+      <p:nvGrpSpPr>
+        <p:cNvPr id="1" name=""/>
+        <p:cNvGrpSpPr/>
+        <p:nvPr/>
+      </p:nvGrpSpPr>
+      <p:grpSpPr>
+        <a:xfrm>
+          <a:off x="0" y="0"/>
+          <a:ext cx="0" cy="0"/>
+          <a:chOff x="0" y="0"/>
+          <a:chExt cx="0" cy="0"/>
+        </a:xfrm>
+      </p:grpSpPr>
+      <p:sp>
+        <p:nvSpPr>
+          <p:cNvPr id="2" name="Espace réservé de l'image des diapositives 1"/>
+          <p:cNvSpPr>
+            <a:spLocks noGrp="1" noRot="1" noChangeAspect="1" noResize="1"/>
+          </p:cNvSpPr>
+          <p:nvPr>
+            <p:ph type="sldImg"/>
+          </p:nvPr>
+        </p:nvSpPr>
+        <p:spPr>
+          <a:xfrm>
+            <a:off x="1106488" y="812800"/>
+            <a:ext cx="5345112" cy="4008438"/>
+          </a:xfrm>
+          <a:solidFill>
+            <a:srgbClr val="4F81BD"/>
+          </a:solidFill>
+          <a:ln w="25560">
+            <a:solidFill>
+              <a:srgbClr val="385D8A"/>
+            </a:solidFill>
+            <a:prstDash val="solid"/>
+          </a:ln>
+        </p:spPr>
+      </p:sp>
+      <p:sp>
+        <p:nvSpPr>
+          <p:cNvPr id="3" name="Espace réservé des commentaires 2"/>
+          <p:cNvSpPr txBox="1">
+            <a:spLocks noGrp="1"/>
+          </p:cNvSpPr>
+          <p:nvPr>
+            <p:ph type="body" sz="quarter" idx="1"/>
+          </p:nvPr>
+        </p:nvSpPr>
+        <p:spPr/>
+        <p:txBody>
+          <a:bodyPr/>
+          <a:lstStyle/>
+          <a:p>
+            <a:endParaRPr lang="fr-FR"/>
+          </a:p>
+        </p:txBody>
+      </p:sp>
+    </p:spTree>
+  </p:cSld>
+  <p:clrMapOvr>
+    <a:masterClrMapping/>
+  </p:clrMapOvr>
+</p:notes>
+</file>
+
+<file path=ppt/notesSlides/notesSlide5.xml><?xml version="1.0" encoding="utf-8"?>
+<p:notes xmlns:a="http://schemas.openxmlformats.org/drawingml/2006/main" xmlns:r="http://schemas.openxmlformats.org/officeDocument/2006/relationships" xmlns:p="http://schemas.openxmlformats.org/presentationml/2006/main">
+  <p:cSld>
+    <p:spTree>
+      <p:nvGrpSpPr>
+        <p:cNvPr id="1" name=""/>
+        <p:cNvGrpSpPr/>
+        <p:nvPr/>
+      </p:nvGrpSpPr>
+      <p:grpSpPr>
+        <a:xfrm>
+          <a:off x="0" y="0"/>
+          <a:ext cx="0" cy="0"/>
+          <a:chOff x="0" y="0"/>
+          <a:chExt cx="0" cy="0"/>
+        </a:xfrm>
+      </p:grpSpPr>
+      <p:sp>
+        <p:nvSpPr>
+          <p:cNvPr id="2" name="Espace réservé de l'image des diapositives 1"/>
+          <p:cNvSpPr>
+            <a:spLocks noGrp="1" noRot="1" noChangeAspect="1" noResize="1"/>
+          </p:cNvSpPr>
+          <p:nvPr>
+            <p:ph type="sldImg"/>
+          </p:nvPr>
+        </p:nvSpPr>
+        <p:spPr>
+          <a:xfrm>
+            <a:off x="1106488" y="812800"/>
+            <a:ext cx="5345112" cy="4008438"/>
+          </a:xfrm>
+          <a:solidFill>
+            <a:srgbClr val="4F81BD"/>
+          </a:solidFill>
+          <a:ln w="25560">
+            <a:solidFill>
+              <a:srgbClr val="385D8A"/>
+            </a:solidFill>
+            <a:prstDash val="solid"/>
+          </a:ln>
+        </p:spPr>
+      </p:sp>
+      <p:sp>
+        <p:nvSpPr>
+          <p:cNvPr id="3" name="Espace réservé des commentaires 2"/>
+          <p:cNvSpPr txBox="1">
+            <a:spLocks noGrp="1"/>
+          </p:cNvSpPr>
+          <p:nvPr>
+            <p:ph type="body" sz="quarter" idx="1"/>
+          </p:nvPr>
+        </p:nvSpPr>
+        <p:spPr/>
+        <p:txBody>
+          <a:bodyPr/>
+          <a:lstStyle/>
+          <a:p>
+            <a:endParaRPr lang="fr-FR"/>
+          </a:p>
+        </p:txBody>
+      </p:sp>
+    </p:spTree>
+  </p:cSld>
+  <p:clrMapOvr>
+    <a:masterClrMapping/>
+  </p:clrMapOvr>
+</p:notes>
+</file>
+
 <file path=ppt/notesSlides/notesSlide6.xml><?xml version="1.0" encoding="utf-8"?>
+<p:notes xmlns:a="http://schemas.openxmlformats.org/drawingml/2006/main" xmlns:r="http://schemas.openxmlformats.org/officeDocument/2006/relationships" xmlns:p="http://schemas.openxmlformats.org/presentationml/2006/main">
+  <p:cSld>
+    <p:spTree>
+      <p:nvGrpSpPr>
+        <p:cNvPr id="1" name=""/>
+        <p:cNvGrpSpPr/>
+        <p:nvPr/>
+      </p:nvGrpSpPr>
+      <p:grpSpPr>
+        <a:xfrm>
+          <a:off x="0" y="0"/>
+          <a:ext cx="0" cy="0"/>
+          <a:chOff x="0" y="0"/>
+          <a:chExt cx="0" cy="0"/>
+        </a:xfrm>
+      </p:grpSpPr>
+      <p:sp>
+        <p:nvSpPr>
+          <p:cNvPr id="2" name="Espace réservé de l'image des diapositives 1"/>
+          <p:cNvSpPr>
+            <a:spLocks noGrp="1" noRot="1" noChangeAspect="1" noResize="1"/>
+          </p:cNvSpPr>
+          <p:nvPr>
+            <p:ph type="sldImg"/>
+          </p:nvPr>
+        </p:nvSpPr>
+        <p:spPr>
+          <a:xfrm>
+            <a:off x="1106488" y="812800"/>
+            <a:ext cx="5345112" cy="4008438"/>
+          </a:xfrm>
+          <a:solidFill>
+            <a:srgbClr val="4F81BD"/>
+          </a:solidFill>
+          <a:ln w="25560">
+            <a:solidFill>
+              <a:srgbClr val="385D8A"/>
+            </a:solidFill>
+            <a:prstDash val="solid"/>
+          </a:ln>
+        </p:spPr>
+      </p:sp>
+      <p:sp>
+        <p:nvSpPr>
+          <p:cNvPr id="3" name="Espace réservé des commentaires 2"/>
+          <p:cNvSpPr txBox="1">
+            <a:spLocks noGrp="1"/>
+          </p:cNvSpPr>
+          <p:nvPr>
+            <p:ph type="body" sz="quarter" idx="1"/>
+          </p:nvPr>
+        </p:nvSpPr>
+        <p:spPr/>
+        <p:txBody>
+          <a:bodyPr/>
+          <a:lstStyle/>
+          <a:p>
+            <a:endParaRPr lang="fr-FR"/>
+          </a:p>
+        </p:txBody>
+      </p:sp>
+    </p:spTree>
+  </p:cSld>
+  <p:clrMapOvr>
+    <a:masterClrMapping/>
+  </p:clrMapOvr>
+</p:notes>
+</file>
+
+<file path=ppt/notesSlides/notesSlide7.xml><?xml version="1.0" encoding="utf-8"?>
+<p:notes xmlns:a="http://schemas.openxmlformats.org/drawingml/2006/main" xmlns:r="http://schemas.openxmlformats.org/officeDocument/2006/relationships" xmlns:p="http://schemas.openxmlformats.org/presentationml/2006/main">
+  <p:cSld>
+    <p:spTree>
+      <p:nvGrpSpPr>
+        <p:cNvPr id="1" name=""/>
+        <p:cNvGrpSpPr/>
+        <p:nvPr/>
+      </p:nvGrpSpPr>
+      <p:grpSpPr>
+        <a:xfrm>
+          <a:off x="0" y="0"/>
+          <a:ext cx="0" cy="0"/>
+          <a:chOff x="0" y="0"/>
+          <a:chExt cx="0" cy="0"/>
+        </a:xfrm>
+      </p:grpSpPr>
+      <p:sp>
+        <p:nvSpPr>
+          <p:cNvPr id="2" name="Espace réservé de l'image des diapositives 1"/>
+          <p:cNvSpPr>
+            <a:spLocks noGrp="1" noRot="1" noChangeAspect="1" noResize="1"/>
+          </p:cNvSpPr>
+          <p:nvPr>
+            <p:ph type="sldImg"/>
+          </p:nvPr>
+        </p:nvSpPr>
+        <p:spPr>
+          <a:xfrm>
+            <a:off x="1106488" y="812800"/>
+            <a:ext cx="5345112" cy="4008438"/>
+          </a:xfrm>
+          <a:solidFill>
+            <a:srgbClr val="4F81BD"/>
+          </a:solidFill>
+          <a:ln w="25560">
+            <a:solidFill>
+              <a:srgbClr val="385D8A"/>
+            </a:solidFill>
+            <a:prstDash val="solid"/>
+          </a:ln>
+        </p:spPr>
+      </p:sp>
+      <p:sp>
+        <p:nvSpPr>
+          <p:cNvPr id="3" name="Espace réservé des commentaires 2"/>
+          <p:cNvSpPr txBox="1">
+            <a:spLocks noGrp="1"/>
+          </p:cNvSpPr>
+          <p:nvPr>
+            <p:ph type="body" sz="quarter" idx="1"/>
+          </p:nvPr>
+        </p:nvSpPr>
+        <p:spPr/>
+        <p:txBody>
+          <a:bodyPr/>
+          <a:lstStyle/>
+          <a:p>
+            <a:endParaRPr lang="fr-FR"/>
+          </a:p>
+        </p:txBody>
+      </p:sp>
+    </p:spTree>
+  </p:cSld>
+  <p:clrMapOvr>
+    <a:masterClrMapping/>
+  </p:clrMapOvr>
+</p:notes>
+</file>
+
+<file path=ppt/notesSlides/notesSlide8.xml><?xml version="1.0" encoding="utf-8"?>
 <p:notes xmlns:a="http://schemas.openxmlformats.org/drawingml/2006/main" xmlns:r="http://schemas.openxmlformats.org/officeDocument/2006/relationships" xmlns:p="http://schemas.openxmlformats.org/presentationml/2006/main">
   <p:cSld>
     <p:spTree>
@@ -3966,7 +4403,7 @@
 </p:notes>
 </file>
 
-<file path=ppt/notesSlides/notesSlide7.xml><?xml version="1.0" encoding="utf-8"?>
+<file path=ppt/notesSlides/notesSlide9.xml><?xml version="1.0" encoding="utf-8"?>
 <p:notes xmlns:a="http://schemas.openxmlformats.org/drawingml/2006/main" xmlns:r="http://schemas.openxmlformats.org/officeDocument/2006/relationships" xmlns:p="http://schemas.openxmlformats.org/presentationml/2006/main">
   <p:cSld>
     <p:spTree>
@@ -3995,8 +4432,8 @@
         </p:nvSpPr>
         <p:spPr>
           <a:xfrm>
-            <a:off x="1106640" y="812880"/>
-            <a:ext cx="5345280" cy="4008600"/>
+            <a:off x="1106488" y="812800"/>
+            <a:ext cx="5345112" cy="4008438"/>
           </a:xfrm>
         </p:spPr>
         <p:style>
@@ -4036,156 +4473,6 @@
           <a:bodyPr>
             <a:spAutoFit/>
           </a:bodyPr>
-          <a:lstStyle/>
-          <a:p>
-            <a:endParaRPr lang="fr-FR"/>
-          </a:p>
-        </p:txBody>
-      </p:sp>
-    </p:spTree>
-  </p:cSld>
-  <p:clrMapOvr>
-    <a:masterClrMapping/>
-  </p:clrMapOvr>
-</p:notes>
-</file>
-
-<file path=ppt/notesSlides/notesSlide8.xml><?xml version="1.0" encoding="utf-8"?>
-<p:notes xmlns:a="http://schemas.openxmlformats.org/drawingml/2006/main" xmlns:r="http://schemas.openxmlformats.org/officeDocument/2006/relationships" xmlns:p="http://schemas.openxmlformats.org/presentationml/2006/main">
-  <p:cSld>
-    <p:spTree>
-      <p:nvGrpSpPr>
-        <p:cNvPr id="1" name=""/>
-        <p:cNvGrpSpPr/>
-        <p:nvPr/>
-      </p:nvGrpSpPr>
-      <p:grpSpPr>
-        <a:xfrm>
-          <a:off x="0" y="0"/>
-          <a:ext cx="0" cy="0"/>
-          <a:chOff x="0" y="0"/>
-          <a:chExt cx="0" cy="0"/>
-        </a:xfrm>
-      </p:grpSpPr>
-      <p:sp>
-        <p:nvSpPr>
-          <p:cNvPr id="2" name="Espace réservé de l'image des diapositives 1"/>
-          <p:cNvSpPr>
-            <a:spLocks noGrp="1" noRot="1" noChangeAspect="1"/>
-          </p:cNvSpPr>
-          <p:nvPr>
-            <p:ph type="sldImg"/>
-          </p:nvPr>
-        </p:nvSpPr>
-        <p:spPr>
-          <a:xfrm>
-            <a:off x="1106640" y="812880"/>
-            <a:ext cx="5345280" cy="4008600"/>
-          </a:xfrm>
-        </p:spPr>
-        <p:style>
-          <a:lnRef idx="2">
-            <a:schemeClr val="accent1">
-              <a:shade val="50000"/>
-            </a:schemeClr>
-          </a:lnRef>
-          <a:fillRef idx="1">
-            <a:schemeClr val="accent1"/>
-          </a:fillRef>
-          <a:effectRef idx="0">
-            <a:schemeClr val="accent1"/>
-          </a:effectRef>
-          <a:fontRef idx="minor">
-            <a:schemeClr val="lt1"/>
-          </a:fontRef>
-        </p:style>
-      </p:sp>
-      <p:sp>
-        <p:nvSpPr>
-          <p:cNvPr id="3" name="Espace réservé des commentaires 2"/>
-          <p:cNvSpPr txBox="1">
-            <a:spLocks noGrp="1"/>
-          </p:cNvSpPr>
-          <p:nvPr>
-            <p:ph type="body" sz="quarter" idx="1"/>
-          </p:nvPr>
-        </p:nvSpPr>
-        <p:spPr>
-          <a:xfrm>
-            <a:off x="756000" y="5078520"/>
-            <a:ext cx="6047640" cy="4811400"/>
-          </a:xfrm>
-        </p:spPr>
-        <p:txBody>
-          <a:bodyPr>
-            <a:spAutoFit/>
-          </a:bodyPr>
-          <a:lstStyle/>
-          <a:p>
-            <a:endParaRPr lang="fr-FR"/>
-          </a:p>
-        </p:txBody>
-      </p:sp>
-    </p:spTree>
-  </p:cSld>
-  <p:clrMapOvr>
-    <a:masterClrMapping/>
-  </p:clrMapOvr>
-</p:notes>
-</file>
-
-<file path=ppt/notesSlides/notesSlide9.xml><?xml version="1.0" encoding="utf-8"?>
-<p:notes xmlns:a="http://schemas.openxmlformats.org/drawingml/2006/main" xmlns:r="http://schemas.openxmlformats.org/officeDocument/2006/relationships" xmlns:p="http://schemas.openxmlformats.org/presentationml/2006/main">
-  <p:cSld>
-    <p:spTree>
-      <p:nvGrpSpPr>
-        <p:cNvPr id="1" name=""/>
-        <p:cNvGrpSpPr/>
-        <p:nvPr/>
-      </p:nvGrpSpPr>
-      <p:grpSpPr>
-        <a:xfrm>
-          <a:off x="0" y="0"/>
-          <a:ext cx="0" cy="0"/>
-          <a:chOff x="0" y="0"/>
-          <a:chExt cx="0" cy="0"/>
-        </a:xfrm>
-      </p:grpSpPr>
-      <p:sp>
-        <p:nvSpPr>
-          <p:cNvPr id="2" name="Espace réservé de l'image des diapositives 1"/>
-          <p:cNvSpPr>
-            <a:spLocks noGrp="1" noRot="1" noChangeAspect="1" noResize="1"/>
-          </p:cNvSpPr>
-          <p:nvPr>
-            <p:ph type="sldImg"/>
-          </p:nvPr>
-        </p:nvSpPr>
-        <p:spPr>
-          <a:solidFill>
-            <a:srgbClr val="4F81BD"/>
-          </a:solidFill>
-          <a:ln w="25560">
-            <a:solidFill>
-              <a:srgbClr val="385D8A"/>
-            </a:solidFill>
-            <a:prstDash val="solid"/>
-          </a:ln>
-        </p:spPr>
-      </p:sp>
-      <p:sp>
-        <p:nvSpPr>
-          <p:cNvPr id="3" name="Espace réservé des commentaires 2"/>
-          <p:cNvSpPr txBox="1">
-            <a:spLocks noGrp="1"/>
-          </p:cNvSpPr>
-          <p:nvPr>
-            <p:ph type="body" sz="quarter" idx="1"/>
-          </p:nvPr>
-        </p:nvSpPr>
-        <p:spPr/>
-        <p:txBody>
-          <a:bodyPr/>
           <a:lstStyle/>
           <a:p>
             <a:endParaRPr lang="fr-FR"/>
@@ -4391,11 +4678,11 @@
   <p:clrMapOvr>
     <a:masterClrMapping/>
   </p:clrMapOvr>
-  <mc:AlternateContent xmlns:mc="http://schemas.openxmlformats.org/markup-compatibility/2006">
-    <mc:Choice xmlns:p14="http://schemas.microsoft.com/office/powerpoint/2010/main" Requires="p14">
+  <mc:AlternateContent xmlns:mc="http://schemas.openxmlformats.org/markup-compatibility/2006" xmlns:p14="http://schemas.microsoft.com/office/powerpoint/2010/main">
+    <mc:Choice Requires="p14">
       <p:transition spd="slow" p14:dur="2000"/>
     </mc:Choice>
-    <mc:Fallback>
+    <mc:Fallback xmlns="">
       <p:transition spd="slow"/>
     </mc:Fallback>
   </mc:AlternateContent>
@@ -4615,11 +4902,11 @@
   <p:clrMapOvr>
     <a:masterClrMapping/>
   </p:clrMapOvr>
-  <mc:AlternateContent xmlns:mc="http://schemas.openxmlformats.org/markup-compatibility/2006">
-    <mc:Choice xmlns:p14="http://schemas.microsoft.com/office/powerpoint/2010/main" Requires="p14">
+  <mc:AlternateContent xmlns:mc="http://schemas.openxmlformats.org/markup-compatibility/2006" xmlns:p14="http://schemas.microsoft.com/office/powerpoint/2010/main">
+    <mc:Choice Requires="p14">
       <p:transition spd="slow" p14:dur="2000"/>
     </mc:Choice>
-    <mc:Fallback>
+    <mc:Fallback xmlns="">
       <p:transition spd="slow"/>
     </mc:Fallback>
   </mc:AlternateContent>
@@ -4849,11 +5136,11 @@
   <p:clrMapOvr>
     <a:masterClrMapping/>
   </p:clrMapOvr>
-  <mc:AlternateContent xmlns:mc="http://schemas.openxmlformats.org/markup-compatibility/2006">
-    <mc:Choice xmlns:p14="http://schemas.microsoft.com/office/powerpoint/2010/main" Requires="p14">
+  <mc:AlternateContent xmlns:mc="http://schemas.openxmlformats.org/markup-compatibility/2006" xmlns:p14="http://schemas.microsoft.com/office/powerpoint/2010/main">
+    <mc:Choice Requires="p14">
       <p:transition spd="slow" p14:dur="2000"/>
     </mc:Choice>
-    <mc:Fallback>
+    <mc:Fallback xmlns="">
       <p:transition spd="slow"/>
     </mc:Fallback>
   </mc:AlternateContent>
@@ -5084,11 +5371,11 @@
   <p:clrMapOvr>
     <a:masterClrMapping/>
   </p:clrMapOvr>
-  <mc:AlternateContent xmlns:mc="http://schemas.openxmlformats.org/markup-compatibility/2006">
-    <mc:Choice xmlns:p14="http://schemas.microsoft.com/office/powerpoint/2010/main" Requires="p14">
+  <mc:AlternateContent xmlns:mc="http://schemas.openxmlformats.org/markup-compatibility/2006" xmlns:p14="http://schemas.microsoft.com/office/powerpoint/2010/main">
+    <mc:Choice Requires="p14">
       <p:transition spd="slow" p14:dur="2000"/>
     </mc:Choice>
-    <mc:Fallback>
+    <mc:Fallback xmlns="">
       <p:transition spd="slow"/>
     </mc:Fallback>
   </mc:AlternateContent>
@@ -5283,11 +5570,11 @@
   <p:clrMapOvr>
     <a:masterClrMapping/>
   </p:clrMapOvr>
-  <mc:AlternateContent xmlns:mc="http://schemas.openxmlformats.org/markup-compatibility/2006">
-    <mc:Choice xmlns:p14="http://schemas.microsoft.com/office/powerpoint/2010/main" Requires="p14">
+  <mc:AlternateContent xmlns:mc="http://schemas.openxmlformats.org/markup-compatibility/2006" xmlns:p14="http://schemas.microsoft.com/office/powerpoint/2010/main">
+    <mc:Choice Requires="p14">
       <p:transition spd="slow" p14:dur="2000"/>
     </mc:Choice>
-    <mc:Fallback>
+    <mc:Fallback xmlns="">
       <p:transition spd="slow"/>
     </mc:Fallback>
   </mc:AlternateContent>
@@ -5596,11 +5883,11 @@
   <p:clrMapOvr>
     <a:masterClrMapping/>
   </p:clrMapOvr>
-  <mc:AlternateContent xmlns:mc="http://schemas.openxmlformats.org/markup-compatibility/2006">
-    <mc:Choice xmlns:p14="http://schemas.microsoft.com/office/powerpoint/2010/main" Requires="p14">
+  <mc:AlternateContent xmlns:mc="http://schemas.openxmlformats.org/markup-compatibility/2006" xmlns:p14="http://schemas.microsoft.com/office/powerpoint/2010/main">
+    <mc:Choice Requires="p14">
       <p:transition spd="slow" p14:dur="2000"/>
     </mc:Choice>
-    <mc:Fallback>
+    <mc:Fallback xmlns="">
       <p:transition spd="slow"/>
     </mc:Fallback>
   </mc:AlternateContent>
@@ -5980,11 +6267,11 @@
   <p:clrMapOvr>
     <a:masterClrMapping/>
   </p:clrMapOvr>
-  <mc:AlternateContent xmlns:mc="http://schemas.openxmlformats.org/markup-compatibility/2006">
-    <mc:Choice xmlns:p14="http://schemas.microsoft.com/office/powerpoint/2010/main" Requires="p14">
+  <mc:AlternateContent xmlns:mc="http://schemas.openxmlformats.org/markup-compatibility/2006" xmlns:p14="http://schemas.microsoft.com/office/powerpoint/2010/main">
+    <mc:Choice Requires="p14">
       <p:transition spd="slow" p14:dur="2000"/>
     </mc:Choice>
-    <mc:Fallback>
+    <mc:Fallback xmlns="">
       <p:transition spd="slow"/>
     </mc:Fallback>
   </mc:AlternateContent>
@@ -6137,11 +6424,11 @@
   <p:clrMapOvr>
     <a:masterClrMapping/>
   </p:clrMapOvr>
-  <mc:AlternateContent xmlns:mc="http://schemas.openxmlformats.org/markup-compatibility/2006">
-    <mc:Choice xmlns:p14="http://schemas.microsoft.com/office/powerpoint/2010/main" Requires="p14">
+  <mc:AlternateContent xmlns:mc="http://schemas.openxmlformats.org/markup-compatibility/2006" xmlns:p14="http://schemas.microsoft.com/office/powerpoint/2010/main">
+    <mc:Choice Requires="p14">
       <p:transition spd="slow" p14:dur="2000"/>
     </mc:Choice>
-    <mc:Fallback>
+    <mc:Fallback xmlns="">
       <p:transition spd="slow"/>
     </mc:Fallback>
   </mc:AlternateContent>
@@ -6314,11 +6601,11 @@
   <p:clrMapOvr>
     <a:masterClrMapping/>
   </p:clrMapOvr>
-  <mc:AlternateContent xmlns:mc="http://schemas.openxmlformats.org/markup-compatibility/2006">
-    <mc:Choice xmlns:p14="http://schemas.microsoft.com/office/powerpoint/2010/main" Requires="p14">
+  <mc:AlternateContent xmlns:mc="http://schemas.openxmlformats.org/markup-compatibility/2006" xmlns:p14="http://schemas.microsoft.com/office/powerpoint/2010/main">
+    <mc:Choice Requires="p14">
       <p:transition spd="slow" p14:dur="2000"/>
     </mc:Choice>
-    <mc:Fallback>
+    <mc:Fallback xmlns="">
       <p:transition spd="slow"/>
     </mc:Fallback>
   </mc:AlternateContent>
@@ -6588,11 +6875,11 @@
   <p:clrMapOvr>
     <a:masterClrMapping/>
   </p:clrMapOvr>
-  <mc:AlternateContent xmlns:mc="http://schemas.openxmlformats.org/markup-compatibility/2006">
-    <mc:Choice xmlns:p14="http://schemas.microsoft.com/office/powerpoint/2010/main" Requires="p14">
+  <mc:AlternateContent xmlns:mc="http://schemas.openxmlformats.org/markup-compatibility/2006" xmlns:p14="http://schemas.microsoft.com/office/powerpoint/2010/main">
+    <mc:Choice Requires="p14">
       <p:transition spd="slow" p14:dur="2000"/>
     </mc:Choice>
-    <mc:Fallback>
+    <mc:Fallback xmlns="">
       <p:transition spd="slow"/>
     </mc:Fallback>
   </mc:AlternateContent>
@@ -6812,11 +7099,11 @@
   <p:clrMapOvr>
     <a:masterClrMapping/>
   </p:clrMapOvr>
-  <mc:AlternateContent xmlns:mc="http://schemas.openxmlformats.org/markup-compatibility/2006">
-    <mc:Choice xmlns:p14="http://schemas.microsoft.com/office/powerpoint/2010/main" Requires="p14">
+  <mc:AlternateContent xmlns:mc="http://schemas.openxmlformats.org/markup-compatibility/2006" xmlns:p14="http://schemas.microsoft.com/office/powerpoint/2010/main">
+    <mc:Choice Requires="p14">
       <p:transition spd="slow" p14:dur="2000"/>
     </mc:Choice>
-    <mc:Fallback>
+    <mc:Fallback xmlns="">
       <p:transition spd="slow"/>
     </mc:Fallback>
   </mc:AlternateContent>
@@ -7342,11 +7629,11 @@
     <p:sldLayoutId id="2147483658" r:id="rId10"/>
     <p:sldLayoutId id="2147483659" r:id="rId11"/>
   </p:sldLayoutIdLst>
-  <mc:AlternateContent xmlns:mc="http://schemas.openxmlformats.org/markup-compatibility/2006">
-    <mc:Choice xmlns:p14="http://schemas.microsoft.com/office/powerpoint/2010/main" Requires="p14">
+  <mc:AlternateContent xmlns:mc="http://schemas.openxmlformats.org/markup-compatibility/2006" xmlns:p14="http://schemas.microsoft.com/office/powerpoint/2010/main">
+    <mc:Choice Requires="p14">
       <p:transition spd="slow" p14:dur="2000"/>
     </mc:Choice>
-    <mc:Fallback>
+    <mc:Fallback xmlns="">
       <p:transition spd="slow"/>
     </mc:Fallback>
   </mc:AlternateContent>
@@ -7489,7 +7776,7 @@
 
 <file path=ppt/slides/slide1.xml><?xml version="1.0" encoding="utf-8"?>
 <p:sld xmlns:a="http://schemas.openxmlformats.org/drawingml/2006/main" xmlns:r="http://schemas.openxmlformats.org/officeDocument/2006/relationships" xmlns:p="http://schemas.openxmlformats.org/presentationml/2006/main">
-  <p:cSld name="Slide7">
+  <p:cSld name="Slide8">
     <p:spTree>
       <p:nvGrpSpPr>
         <p:cNvPr id="1" name=""/>
@@ -7509,11 +7796,746 @@
   <p:clrMapOvr>
     <a:masterClrMapping/>
   </p:clrMapOvr>
-  <mc:AlternateContent xmlns:mc="http://schemas.openxmlformats.org/markup-compatibility/2006">
-    <mc:Choice xmlns:p14="http://schemas.microsoft.com/office/powerpoint/2010/main" Requires="p14">
+  <mc:AlternateContent xmlns:mc="http://schemas.openxmlformats.org/markup-compatibility/2006" xmlns:p14="http://schemas.microsoft.com/office/powerpoint/2010/main">
+    <mc:Choice Requires="p14">
       <p:transition spd="slow" p14:dur="2000"/>
     </mc:Choice>
-    <mc:Fallback>
+    <mc:Fallback xmlns="">
+      <p:transition spd="slow"/>
+    </mc:Fallback>
+  </mc:AlternateContent>
+  <p:timing>
+    <p:tnLst>
+      <p:par>
+        <p:cTn id="1" dur="indefinite" restart="never" nodeType="tmRoot"/>
+      </p:par>
+    </p:tnLst>
+  </p:timing>
+</p:sld>
+</file>
+
+<file path=ppt/slides/slide10.xml><?xml version="1.0" encoding="utf-8"?>
+<p:sld xmlns:a="http://schemas.openxmlformats.org/drawingml/2006/main" xmlns:r="http://schemas.openxmlformats.org/officeDocument/2006/relationships" xmlns:p="http://schemas.openxmlformats.org/presentationml/2006/main">
+  <p:cSld name="Slide5">
+    <p:spTree>
+      <p:nvGrpSpPr>
+        <p:cNvPr id="1" name=""/>
+        <p:cNvGrpSpPr/>
+        <p:nvPr/>
+      </p:nvGrpSpPr>
+      <p:grpSpPr>
+        <a:xfrm>
+          <a:off x="0" y="0"/>
+          <a:ext cx="0" cy="0"/>
+          <a:chOff x="0" y="0"/>
+          <a:chExt cx="0" cy="0"/>
+        </a:xfrm>
+      </p:grpSpPr>
+      <p:sp>
+        <p:nvSpPr>
+          <p:cNvPr id="2" name="ZoneTexte 3"/>
+          <p:cNvSpPr txBox="1"/>
+          <p:nvPr/>
+        </p:nvSpPr>
+        <p:spPr>
+          <a:xfrm>
+            <a:off x="359640" y="314640"/>
+            <a:ext cx="5959440" cy="584640"/>
+          </a:xfrm>
+          <a:prstGeom prst="rect">
+            <a:avLst/>
+          </a:prstGeom>
+          <a:noFill/>
+          <a:ln>
+            <a:noFill/>
+          </a:ln>
+        </p:spPr>
+        <p:txBody>
+          <a:bodyPr vert="horz" wrap="none" lIns="91440" tIns="45720" rIns="91440" bIns="45720" anchor="t" anchorCtr="0" compatLnSpc="0">
+            <a:spAutoFit/>
+          </a:bodyPr>
+          <a:lstStyle/>
+          <a:p>
+            <a:pPr marL="0" marR="0" lvl="0" indent="0" algn="l" rtl="0" hangingPunct="1">
+              <a:lnSpc>
+                <a:spcPct val="100000"/>
+              </a:lnSpc>
+              <a:spcBef>
+                <a:spcPts val="0"/>
+              </a:spcBef>
+              <a:spcAft>
+                <a:spcPts val="0"/>
+              </a:spcAft>
+              <a:buNone/>
+              <a:tabLst/>
+            </a:pPr>
+            <a:r>
+              <a:rPr lang="fr-FR" sz="3200" b="1" i="0" u="none" strike="noStrike" kern="1200" spc="0" baseline="0">
+                <a:ln>
+                  <a:noFill/>
+                </a:ln>
+                <a:solidFill>
+                  <a:srgbClr val="000000"/>
+                </a:solidFill>
+                <a:latin typeface="Calibri" pitchFamily="18"/>
+                <a:ea typeface="Microsoft YaHei" pitchFamily="2"/>
+                <a:cs typeface="Lucida Sans" pitchFamily="2"/>
+              </a:rPr>
+              <a:t>Etat de la valorisation et son futur</a:t>
+            </a:r>
+          </a:p>
+        </p:txBody>
+      </p:sp>
+      <p:sp>
+        <p:nvSpPr>
+          <p:cNvPr id="3" name="ZoneTexte 2"/>
+          <p:cNvSpPr txBox="1"/>
+          <p:nvPr/>
+        </p:nvSpPr>
+        <p:spPr>
+          <a:xfrm>
+            <a:off x="2002319" y="6507360"/>
+            <a:ext cx="8857080" cy="584640"/>
+          </a:xfrm>
+          <a:prstGeom prst="rect">
+            <a:avLst/>
+          </a:prstGeom>
+          <a:noFill/>
+          <a:ln>
+            <a:noFill/>
+          </a:ln>
+        </p:spPr>
+        <p:txBody>
+          <a:bodyPr vert="horz" wrap="square" lIns="91440" tIns="45720" rIns="91440" bIns="45720" anchor="t" anchorCtr="0" compatLnSpc="0">
+            <a:spAutoFit/>
+          </a:bodyPr>
+          <a:lstStyle/>
+          <a:p>
+            <a:pPr marL="0" marR="0" lvl="0" indent="0" algn="l" rtl="0" hangingPunct="1">
+              <a:lnSpc>
+                <a:spcPct val="100000"/>
+              </a:lnSpc>
+              <a:spcBef>
+                <a:spcPts val="0"/>
+              </a:spcBef>
+              <a:spcAft>
+                <a:spcPts val="0"/>
+              </a:spcAft>
+              <a:buNone/>
+              <a:tabLst/>
+            </a:pPr>
+            <a:r>
+              <a:rPr lang="fr-FR" sz="3200" b="1" i="1" u="none" strike="noStrike" kern="1200" spc="0" baseline="0">
+                <a:ln>
+                  <a:noFill/>
+                </a:ln>
+                <a:solidFill>
+                  <a:srgbClr val="E46C0A"/>
+                </a:solidFill>
+                <a:latin typeface="Comic Sans MS" pitchFamily="66"/>
+                <a:ea typeface="Microsoft YaHei" pitchFamily="2"/>
+                <a:cs typeface="Lucida Sans" pitchFamily="2"/>
+              </a:rPr>
+              <a:t>Démonstration du programme</a:t>
+            </a:r>
+          </a:p>
+        </p:txBody>
+      </p:sp>
+      <p:pic>
+        <p:nvPicPr>
+          <p:cNvPr id="4" name="Picture 3"/>
+          <p:cNvPicPr>
+            <a:picLocks noChangeAspect="1"/>
+          </p:cNvPicPr>
+          <p:nvPr/>
+        </p:nvPicPr>
+        <p:blipFill>
+          <a:blip r:embed="rId3"/>
+          <a:srcRect/>
+          <a:stretch>
+            <a:fillRect/>
+          </a:stretch>
+        </p:blipFill>
+        <p:spPr>
+          <a:xfrm>
+            <a:off x="936000" y="1065600"/>
+            <a:ext cx="8330760" cy="5312880"/>
+          </a:xfrm>
+          <a:prstGeom prst="rect">
+            <a:avLst/>
+          </a:prstGeom>
+          <a:noFill/>
+          <a:ln>
+            <a:noFill/>
+          </a:ln>
+        </p:spPr>
+      </p:pic>
+    </p:spTree>
+  </p:cSld>
+  <p:clrMapOvr>
+    <a:masterClrMapping/>
+  </p:clrMapOvr>
+  <mc:AlternateContent xmlns:mc="http://schemas.openxmlformats.org/markup-compatibility/2006" xmlns:p14="http://schemas.microsoft.com/office/powerpoint/2010/main">
+    <mc:Choice Requires="p14">
+      <p:transition spd="slow" p14:dur="2000"/>
+    </mc:Choice>
+    <mc:Fallback xmlns="">
+      <p:transition spd="slow"/>
+    </mc:Fallback>
+  </mc:AlternateContent>
+  <p:timing>
+    <p:tnLst>
+      <p:par>
+        <p:cTn id="1" dur="indefinite" restart="never" nodeType="tmRoot"/>
+      </p:par>
+    </p:tnLst>
+  </p:timing>
+</p:sld>
+</file>
+
+<file path=ppt/slides/slide11.xml><?xml version="1.0" encoding="utf-8"?>
+<p:sld xmlns:a="http://schemas.openxmlformats.org/drawingml/2006/main" xmlns:r="http://schemas.openxmlformats.org/officeDocument/2006/relationships" xmlns:p="http://schemas.openxmlformats.org/presentationml/2006/main">
+  <p:cSld name="Slide6">
+    <p:spTree>
+      <p:nvGrpSpPr>
+        <p:cNvPr id="1" name=""/>
+        <p:cNvGrpSpPr/>
+        <p:nvPr/>
+      </p:nvGrpSpPr>
+      <p:grpSpPr>
+        <a:xfrm>
+          <a:off x="0" y="0"/>
+          <a:ext cx="0" cy="0"/>
+          <a:chOff x="0" y="0"/>
+          <a:chExt cx="0" cy="0"/>
+        </a:xfrm>
+      </p:grpSpPr>
+      <p:sp>
+        <p:nvSpPr>
+          <p:cNvPr id="2" name="ZoneTexte 3"/>
+          <p:cNvSpPr txBox="1"/>
+          <p:nvPr/>
+        </p:nvSpPr>
+        <p:spPr>
+          <a:xfrm>
+            <a:off x="359640" y="314640"/>
+            <a:ext cx="5959440" cy="584640"/>
+          </a:xfrm>
+          <a:prstGeom prst="rect">
+            <a:avLst/>
+          </a:prstGeom>
+          <a:noFill/>
+          <a:ln>
+            <a:noFill/>
+          </a:ln>
+        </p:spPr>
+        <p:txBody>
+          <a:bodyPr vert="horz" wrap="none" lIns="91440" tIns="45720" rIns="91440" bIns="45720" anchor="t" anchorCtr="0" compatLnSpc="0">
+            <a:spAutoFit/>
+          </a:bodyPr>
+          <a:lstStyle/>
+          <a:p>
+            <a:pPr marL="0" marR="0" lvl="0" indent="0" algn="l" rtl="0" hangingPunct="1">
+              <a:lnSpc>
+                <a:spcPct val="100000"/>
+              </a:lnSpc>
+              <a:spcBef>
+                <a:spcPts val="0"/>
+              </a:spcBef>
+              <a:spcAft>
+                <a:spcPts val="0"/>
+              </a:spcAft>
+              <a:buNone/>
+              <a:tabLst/>
+            </a:pPr>
+            <a:r>
+              <a:rPr lang="fr-FR" sz="3200" b="1" i="0" u="none" strike="noStrike" kern="1200" spc="0" baseline="0">
+                <a:ln>
+                  <a:noFill/>
+                </a:ln>
+                <a:solidFill>
+                  <a:srgbClr val="000000"/>
+                </a:solidFill>
+                <a:latin typeface="Calibri" pitchFamily="18"/>
+                <a:ea typeface="Microsoft YaHei" pitchFamily="2"/>
+                <a:cs typeface="Lucida Sans" pitchFamily="2"/>
+              </a:rPr>
+              <a:t>Etat de la valorisation et son futur</a:t>
+            </a:r>
+          </a:p>
+        </p:txBody>
+      </p:sp>
+      <p:sp>
+        <p:nvSpPr>
+          <p:cNvPr id="3" name="ZoneTexte 4"/>
+          <p:cNvSpPr txBox="1"/>
+          <p:nvPr/>
+        </p:nvSpPr>
+        <p:spPr>
+          <a:xfrm>
+            <a:off x="503640" y="1403639"/>
+            <a:ext cx="8569080" cy="1384920"/>
+          </a:xfrm>
+          <a:prstGeom prst="rect">
+            <a:avLst/>
+          </a:prstGeom>
+          <a:noFill/>
+          <a:ln>
+            <a:noFill/>
+          </a:ln>
+        </p:spPr>
+        <p:txBody>
+          <a:bodyPr vert="horz" wrap="square" lIns="91440" tIns="45720" rIns="91440" bIns="45720" anchor="t" anchorCtr="0" compatLnSpc="0">
+            <a:spAutoFit/>
+          </a:bodyPr>
+          <a:lstStyle/>
+          <a:p>
+            <a:pPr marL="0" marR="0" lvl="0" indent="0" algn="l" rtl="0" hangingPunct="1">
+              <a:lnSpc>
+                <a:spcPct val="100000"/>
+              </a:lnSpc>
+              <a:spcBef>
+                <a:spcPts val="0"/>
+              </a:spcBef>
+              <a:spcAft>
+                <a:spcPts val="0"/>
+              </a:spcAft>
+              <a:buNone/>
+              <a:tabLst/>
+            </a:pPr>
+            <a:endParaRPr lang="fr-FR" sz="2800" b="0" i="0" u="none" strike="noStrike" kern="1200" spc="0" baseline="0">
+              <a:ln>
+                <a:noFill/>
+              </a:ln>
+              <a:solidFill>
+                <a:srgbClr val="000000"/>
+              </a:solidFill>
+              <a:latin typeface="Calibri" pitchFamily="18"/>
+              <a:ea typeface="Microsoft YaHei" pitchFamily="2"/>
+              <a:cs typeface="Lucida Sans" pitchFamily="2"/>
+            </a:endParaRPr>
+          </a:p>
+          <a:p>
+            <a:pPr marL="0" marR="0" lvl="0" indent="0" algn="l" rtl="0" hangingPunct="1">
+              <a:lnSpc>
+                <a:spcPct val="100000"/>
+              </a:lnSpc>
+              <a:spcBef>
+                <a:spcPts val="0"/>
+              </a:spcBef>
+              <a:spcAft>
+                <a:spcPts val="0"/>
+              </a:spcAft>
+              <a:buNone/>
+              <a:tabLst/>
+            </a:pPr>
+            <a:endParaRPr lang="fr-FR" sz="2800" b="0" i="0" u="none" strike="noStrike" kern="1200" spc="0" baseline="0">
+              <a:ln>
+                <a:noFill/>
+              </a:ln>
+              <a:solidFill>
+                <a:srgbClr val="000000"/>
+              </a:solidFill>
+              <a:latin typeface="Calibri" pitchFamily="18"/>
+              <a:ea typeface="Microsoft YaHei" pitchFamily="2"/>
+              <a:cs typeface="Lucida Sans" pitchFamily="2"/>
+            </a:endParaRPr>
+          </a:p>
+          <a:p>
+            <a:pPr marL="0" marR="0" lvl="0" indent="0" algn="l" rtl="0" hangingPunct="1">
+              <a:lnSpc>
+                <a:spcPct val="100000"/>
+              </a:lnSpc>
+              <a:spcBef>
+                <a:spcPts val="0"/>
+              </a:spcBef>
+              <a:spcAft>
+                <a:spcPts val="0"/>
+              </a:spcAft>
+              <a:buNone/>
+              <a:tabLst/>
+            </a:pPr>
+            <a:endParaRPr lang="fr-FR" sz="2800" b="0" i="0" u="none" strike="noStrike" kern="1200" spc="0" baseline="0">
+              <a:ln>
+                <a:noFill/>
+              </a:ln>
+              <a:solidFill>
+                <a:srgbClr val="000000"/>
+              </a:solidFill>
+              <a:latin typeface="Calibri" pitchFamily="18"/>
+              <a:ea typeface="Microsoft YaHei" pitchFamily="2"/>
+              <a:cs typeface="Lucida Sans" pitchFamily="2"/>
+            </a:endParaRPr>
+          </a:p>
+        </p:txBody>
+      </p:sp>
+      <p:sp>
+        <p:nvSpPr>
+          <p:cNvPr id="4" name="ZoneTexte 1"/>
+          <p:cNvSpPr txBox="1"/>
+          <p:nvPr/>
+        </p:nvSpPr>
+        <p:spPr>
+          <a:xfrm>
+            <a:off x="503640" y="1511279"/>
+            <a:ext cx="7548670" cy="4654672"/>
+          </a:xfrm>
+          <a:prstGeom prst="rect">
+            <a:avLst/>
+          </a:prstGeom>
+          <a:noFill/>
+          <a:ln>
+            <a:noFill/>
+          </a:ln>
+        </p:spPr>
+        <p:txBody>
+          <a:bodyPr vert="horz" wrap="none" lIns="91440" tIns="45720" rIns="91440" bIns="45720" anchor="t" anchorCtr="0" compatLnSpc="0">
+            <a:spAutoFit/>
+          </a:bodyPr>
+          <a:lstStyle/>
+          <a:p>
+            <a:pPr marL="0" marR="0" lvl="0" indent="0" algn="l" rtl="0" hangingPunct="1">
+              <a:lnSpc>
+                <a:spcPct val="100000"/>
+              </a:lnSpc>
+              <a:spcBef>
+                <a:spcPts val="0"/>
+              </a:spcBef>
+              <a:spcAft>
+                <a:spcPts val="0"/>
+              </a:spcAft>
+              <a:buNone/>
+              <a:tabLst/>
+            </a:pPr>
+            <a:r>
+              <a:rPr lang="fr-FR" sz="3200" b="0" i="1" u="none" strike="noStrike" kern="1200" spc="0" baseline="0" dirty="0">
+                <a:ln>
+                  <a:noFill/>
+                </a:ln>
+                <a:solidFill>
+                  <a:srgbClr val="000000"/>
+                </a:solidFill>
+                <a:latin typeface="Cambria" pitchFamily="18"/>
+                <a:ea typeface="Microsoft YaHei" pitchFamily="2"/>
+                <a:cs typeface="Iskoola Pota" pitchFamily="34"/>
+              </a:rPr>
+              <a:t>Ce qu’il reste à faire:</a:t>
+            </a:r>
+          </a:p>
+          <a:p>
+            <a:pPr marL="457200" marR="0" lvl="0" indent="-457200" algn="l" rtl="0" hangingPunct="1">
+              <a:lnSpc>
+                <a:spcPct val="100000"/>
+              </a:lnSpc>
+              <a:spcBef>
+                <a:spcPts val="0"/>
+              </a:spcBef>
+              <a:spcAft>
+                <a:spcPts val="0"/>
+              </a:spcAft>
+              <a:buNone/>
+              <a:tabLst/>
+            </a:pPr>
+            <a:endParaRPr lang="fr-FR" sz="3200" b="0" i="0" u="none" strike="noStrike" kern="1200" spc="0" baseline="0" dirty="0">
+              <a:ln>
+                <a:noFill/>
+              </a:ln>
+              <a:solidFill>
+                <a:srgbClr val="000000"/>
+              </a:solidFill>
+              <a:latin typeface="Cambria" pitchFamily="18"/>
+              <a:ea typeface="Microsoft YaHei" pitchFamily="2"/>
+              <a:cs typeface="Iskoola Pota" pitchFamily="34"/>
+            </a:endParaRPr>
+          </a:p>
+          <a:p>
+            <a:pPr marL="457200" marR="0" lvl="0" indent="-457200" algn="l" rtl="0" hangingPunct="1">
+              <a:lnSpc>
+                <a:spcPct val="100000"/>
+              </a:lnSpc>
+              <a:spcBef>
+                <a:spcPts val="0"/>
+              </a:spcBef>
+              <a:spcAft>
+                <a:spcPts val="0"/>
+              </a:spcAft>
+              <a:buSzPct val="100000"/>
+              <a:buFont typeface="Arial" pitchFamily="34"/>
+              <a:buChar char="•"/>
+              <a:tabLst/>
+            </a:pPr>
+            <a:r>
+              <a:rPr lang="fr-FR" sz="2800" b="0" i="0" u="none" strike="noStrike" kern="1200" spc="0" baseline="0" dirty="0">
+                <a:ln>
+                  <a:noFill/>
+                </a:ln>
+                <a:solidFill>
+                  <a:srgbClr val="000000"/>
+                </a:solidFill>
+                <a:latin typeface="Calibri" panose="020F0502020204030204" pitchFamily="34" charset="0"/>
+                <a:ea typeface="Microsoft YaHei" pitchFamily="2"/>
+                <a:cs typeface="Calibri" panose="020F0502020204030204" pitchFamily="34" charset="0"/>
+              </a:rPr>
+              <a:t>Détecter et résoudre deux gaussiennes proches</a:t>
+            </a:r>
+          </a:p>
+          <a:p>
+            <a:pPr marL="457200" marR="0" lvl="0" indent="-457200" algn="l" rtl="0" hangingPunct="1">
+              <a:lnSpc>
+                <a:spcPct val="100000"/>
+              </a:lnSpc>
+              <a:spcBef>
+                <a:spcPts val="0"/>
+              </a:spcBef>
+              <a:spcAft>
+                <a:spcPts val="0"/>
+              </a:spcAft>
+              <a:buSzPct val="100000"/>
+              <a:buFont typeface="Arial" pitchFamily="34"/>
+              <a:buChar char="•"/>
+              <a:tabLst/>
+            </a:pPr>
+            <a:r>
+              <a:rPr lang="fr-FR" sz="2800" b="0" i="0" u="none" strike="noStrike" kern="1200" spc="0" baseline="0" dirty="0">
+                <a:ln>
+                  <a:noFill/>
+                </a:ln>
+                <a:solidFill>
+                  <a:srgbClr val="000000"/>
+                </a:solidFill>
+                <a:latin typeface="Calibri" panose="020F0502020204030204" pitchFamily="34" charset="0"/>
+                <a:ea typeface="Microsoft YaHei" pitchFamily="2"/>
+                <a:cs typeface="Calibri" panose="020F0502020204030204" pitchFamily="34" charset="0"/>
+              </a:rPr>
+              <a:t>Améliorer les logs (liste des opérations)</a:t>
+            </a:r>
+          </a:p>
+          <a:p>
+            <a:pPr marL="457200" marR="0" lvl="0" indent="-457200" algn="l" rtl="0" hangingPunct="1">
+              <a:lnSpc>
+                <a:spcPct val="100000"/>
+              </a:lnSpc>
+              <a:spcBef>
+                <a:spcPts val="0"/>
+              </a:spcBef>
+              <a:spcAft>
+                <a:spcPts val="0"/>
+              </a:spcAft>
+              <a:buSzPct val="100000"/>
+              <a:buFont typeface="Arial" pitchFamily="34"/>
+              <a:buChar char="•"/>
+              <a:tabLst/>
+            </a:pPr>
+            <a:r>
+              <a:rPr lang="fr-FR" sz="2800" b="0" i="0" u="none" strike="noStrike" kern="1200" spc="0" baseline="0" dirty="0">
+                <a:ln>
+                  <a:noFill/>
+                </a:ln>
+                <a:solidFill>
+                  <a:srgbClr val="000000"/>
+                </a:solidFill>
+                <a:latin typeface="Calibri" panose="020F0502020204030204" pitchFamily="34" charset="0"/>
+                <a:ea typeface="Microsoft YaHei" pitchFamily="2"/>
+                <a:cs typeface="Calibri" panose="020F0502020204030204" pitchFamily="34" charset="0"/>
+              </a:rPr>
+              <a:t>Comparer les images par superposition</a:t>
+            </a:r>
+          </a:p>
+          <a:p>
+            <a:pPr marL="0" marR="0" lvl="0" indent="0" algn="l" rtl="0" hangingPunct="1">
+              <a:lnSpc>
+                <a:spcPct val="100000"/>
+              </a:lnSpc>
+              <a:spcBef>
+                <a:spcPts val="0"/>
+              </a:spcBef>
+              <a:spcAft>
+                <a:spcPts val="0"/>
+              </a:spcAft>
+              <a:buNone/>
+              <a:tabLst/>
+            </a:pPr>
+            <a:endParaRPr lang="fr-FR" sz="3200" b="0" i="0" u="none" strike="noStrike" kern="1200" spc="0" baseline="0" dirty="0">
+              <a:ln>
+                <a:noFill/>
+              </a:ln>
+              <a:solidFill>
+                <a:srgbClr val="000000"/>
+              </a:solidFill>
+              <a:latin typeface="Cambria" pitchFamily="18"/>
+              <a:ea typeface="Microsoft YaHei" pitchFamily="2"/>
+              <a:cs typeface="Iskoola Pota" pitchFamily="34"/>
+            </a:endParaRPr>
+          </a:p>
+          <a:p>
+            <a:pPr marL="0" marR="0" lvl="0" indent="0" algn="l" rtl="0" hangingPunct="1">
+              <a:lnSpc>
+                <a:spcPct val="100000"/>
+              </a:lnSpc>
+              <a:spcBef>
+                <a:spcPts val="0"/>
+              </a:spcBef>
+              <a:spcAft>
+                <a:spcPts val="0"/>
+              </a:spcAft>
+              <a:buNone/>
+              <a:tabLst/>
+            </a:pPr>
+            <a:r>
+              <a:rPr lang="fr-FR" sz="3200" b="0" i="1" u="none" strike="noStrike" kern="1200" spc="0" baseline="0" dirty="0">
+                <a:ln>
+                  <a:noFill/>
+                </a:ln>
+                <a:solidFill>
+                  <a:srgbClr val="000000"/>
+                </a:solidFill>
+                <a:latin typeface="Cambria" pitchFamily="18"/>
+                <a:ea typeface="Microsoft YaHei" pitchFamily="2"/>
+                <a:cs typeface="Iskoola Pota" pitchFamily="34"/>
+              </a:rPr>
+              <a:t>Autres idées:</a:t>
+            </a:r>
+          </a:p>
+          <a:p>
+            <a:pPr marL="0" marR="0" lvl="0" indent="0" algn="l" rtl="0" hangingPunct="1">
+              <a:lnSpc>
+                <a:spcPct val="100000"/>
+              </a:lnSpc>
+              <a:spcBef>
+                <a:spcPts val="0"/>
+              </a:spcBef>
+              <a:spcAft>
+                <a:spcPts val="0"/>
+              </a:spcAft>
+              <a:buNone/>
+              <a:tabLst/>
+            </a:pPr>
+            <a:endParaRPr lang="fr-FR" sz="3200" b="0" i="0" u="none" strike="noStrike" kern="1200" spc="0" baseline="0" dirty="0">
+              <a:ln>
+                <a:noFill/>
+              </a:ln>
+              <a:solidFill>
+                <a:srgbClr val="000000"/>
+              </a:solidFill>
+              <a:latin typeface="Cambria" pitchFamily="18"/>
+              <a:ea typeface="Microsoft YaHei" pitchFamily="2"/>
+              <a:cs typeface="Iskoola Pota" pitchFamily="34"/>
+            </a:endParaRPr>
+          </a:p>
+          <a:p>
+            <a:pPr marL="457200" marR="0" lvl="0" indent="-457200" algn="l" rtl="0" hangingPunct="1">
+              <a:lnSpc>
+                <a:spcPct val="100000"/>
+              </a:lnSpc>
+              <a:spcBef>
+                <a:spcPts val="0"/>
+              </a:spcBef>
+              <a:spcAft>
+                <a:spcPts val="0"/>
+              </a:spcAft>
+              <a:buSzPct val="100000"/>
+              <a:buFont typeface="Arial" pitchFamily="34"/>
+              <a:buChar char="•"/>
+              <a:tabLst/>
+            </a:pPr>
+            <a:r>
+              <a:rPr lang="fr-FR" sz="2800" b="0" i="0" u="none" strike="noStrike" kern="1200" spc="0" baseline="0" dirty="0">
+                <a:ln>
+                  <a:noFill/>
+                </a:ln>
+                <a:solidFill>
+                  <a:srgbClr val="000000"/>
+                </a:solidFill>
+                <a:latin typeface="Calibri" panose="020F0502020204030204" pitchFamily="34" charset="0"/>
+                <a:ea typeface="Microsoft YaHei" pitchFamily="2"/>
+                <a:cs typeface="Calibri" panose="020F0502020204030204" pitchFamily="34" charset="0"/>
+              </a:rPr>
+              <a:t>Implémenter un passe haut/bas</a:t>
+            </a:r>
+          </a:p>
+          <a:p>
+            <a:pPr marL="457200" marR="0" lvl="0" indent="-457200" algn="l" rtl="0" hangingPunct="1">
+              <a:lnSpc>
+                <a:spcPct val="100000"/>
+              </a:lnSpc>
+              <a:spcBef>
+                <a:spcPts val="0"/>
+              </a:spcBef>
+              <a:spcAft>
+                <a:spcPts val="0"/>
+              </a:spcAft>
+              <a:buSzPct val="100000"/>
+              <a:buFont typeface="Arial" pitchFamily="34"/>
+              <a:buChar char="•"/>
+              <a:tabLst/>
+            </a:pPr>
+            <a:r>
+              <a:rPr lang="fr-FR" sz="2800" b="0" i="0" u="none" strike="noStrike" kern="1200" spc="0" baseline="0" dirty="0">
+                <a:ln>
+                  <a:noFill/>
+                </a:ln>
+                <a:solidFill>
+                  <a:srgbClr val="000000"/>
+                </a:solidFill>
+                <a:latin typeface="Calibri" panose="020F0502020204030204" pitchFamily="34" charset="0"/>
+                <a:ea typeface="Microsoft YaHei" pitchFamily="2"/>
+                <a:cs typeface="Calibri" panose="020F0502020204030204" pitchFamily="34" charset="0"/>
+              </a:rPr>
+              <a:t>Se souvenir des résultats précédents</a:t>
+            </a:r>
+          </a:p>
+        </p:txBody>
+      </p:sp>
+    </p:spTree>
+  </p:cSld>
+  <p:clrMapOvr>
+    <a:masterClrMapping/>
+  </p:clrMapOvr>
+  <mc:AlternateContent xmlns:mc="http://schemas.openxmlformats.org/markup-compatibility/2006" xmlns:p14="http://schemas.microsoft.com/office/powerpoint/2010/main">
+    <mc:Choice Requires="p14">
+      <p:transition spd="slow" p14:dur="2000"/>
+    </mc:Choice>
+    <mc:Fallback xmlns="">
+      <p:transition spd="slow"/>
+    </mc:Fallback>
+  </mc:AlternateContent>
+  <p:timing>
+    <p:tnLst>
+      <p:par>
+        <p:cTn id="1" dur="indefinite" restart="never" nodeType="tmRoot"/>
+      </p:par>
+    </p:tnLst>
+  </p:timing>
+</p:sld>
+</file>
+
+<file path=ppt/slides/slide12.xml><?xml version="1.0" encoding="utf-8"?>
+<p:sld xmlns:a="http://schemas.openxmlformats.org/drawingml/2006/main" xmlns:r="http://schemas.openxmlformats.org/officeDocument/2006/relationships" xmlns:p="http://schemas.openxmlformats.org/presentationml/2006/main">
+  <p:cSld name="Slide4">
+    <p:spTree>
+      <p:nvGrpSpPr>
+        <p:cNvPr id="1" name=""/>
+        <p:cNvGrpSpPr/>
+        <p:nvPr/>
+      </p:nvGrpSpPr>
+      <p:grpSpPr>
+        <a:xfrm>
+          <a:off x="0" y="0"/>
+          <a:ext cx="0" cy="0"/>
+          <a:chOff x="0" y="0"/>
+          <a:chExt cx="0" cy="0"/>
+        </a:xfrm>
+      </p:grpSpPr>
+    </p:spTree>
+  </p:cSld>
+  <p:clrMapOvr>
+    <a:masterClrMapping/>
+  </p:clrMapOvr>
+  <mc:AlternateContent xmlns:mc="http://schemas.openxmlformats.org/markup-compatibility/2006" xmlns:p14="http://schemas.microsoft.com/office/powerpoint/2010/main">
+    <mc:Choice Requires="p14">
+      <p:transition spd="slow" p14:dur="2000"/>
+    </mc:Choice>
+    <mc:Fallback xmlns="">
       <p:transition spd="slow"/>
     </mc:Fallback>
   </mc:AlternateContent>
@@ -7529,7 +8551,1216 @@
 
 <file path=ppt/slides/slide2.xml><?xml version="1.0" encoding="utf-8"?>
 <p:sld xmlns:a="http://schemas.openxmlformats.org/drawingml/2006/main" xmlns:r="http://schemas.openxmlformats.org/officeDocument/2006/relationships" xmlns:p="http://schemas.openxmlformats.org/presentationml/2006/main">
-  <p:cSld name="Slide8">
+  <p:cSld>
+    <p:spTree>
+      <p:nvGrpSpPr>
+        <p:cNvPr id="1" name=""/>
+        <p:cNvGrpSpPr/>
+        <p:nvPr/>
+      </p:nvGrpSpPr>
+      <p:grpSpPr>
+        <a:xfrm>
+          <a:off x="0" y="0"/>
+          <a:ext cx="0" cy="0"/>
+          <a:chOff x="0" y="0"/>
+          <a:chExt cx="0" cy="0"/>
+        </a:xfrm>
+      </p:grpSpPr>
+      <p:sp>
+        <p:nvSpPr>
+          <p:cNvPr id="2" name="ZoneTexte 2"/>
+          <p:cNvSpPr txBox="1"/>
+          <p:nvPr/>
+        </p:nvSpPr>
+        <p:spPr>
+          <a:xfrm>
+            <a:off x="343080" y="251280"/>
+            <a:ext cx="3736985" cy="593304"/>
+          </a:xfrm>
+          <a:prstGeom prst="rect">
+            <a:avLst/>
+          </a:prstGeom>
+          <a:noFill/>
+          <a:ln>
+            <a:noFill/>
+          </a:ln>
+        </p:spPr>
+        <p:txBody>
+          <a:bodyPr vert="horz" wrap="none" lIns="91440" tIns="45720" rIns="91440" bIns="45720" anchor="t" anchorCtr="0" compatLnSpc="0">
+            <a:spAutoFit/>
+          </a:bodyPr>
+          <a:lstStyle/>
+          <a:p>
+            <a:pPr marL="0" marR="0" lvl="0" indent="0" algn="l" rtl="0" hangingPunct="1">
+              <a:lnSpc>
+                <a:spcPct val="100000"/>
+              </a:lnSpc>
+              <a:spcBef>
+                <a:spcPts val="0"/>
+              </a:spcBef>
+              <a:spcAft>
+                <a:spcPts val="0"/>
+              </a:spcAft>
+              <a:buNone/>
+              <a:tabLst/>
+            </a:pPr>
+            <a:r>
+              <a:rPr lang="fr-FR" sz="3200" b="1" i="0" u="none" strike="noStrike" kern="1200" spc="0" baseline="0" dirty="0" smtClean="0">
+                <a:ln>
+                  <a:noFill/>
+                </a:ln>
+                <a:solidFill>
+                  <a:srgbClr val="000000"/>
+                </a:solidFill>
+                <a:latin typeface="Calibri" pitchFamily="18"/>
+                <a:ea typeface="Microsoft YaHei" pitchFamily="2"/>
+                <a:cs typeface="Lucida Sans" pitchFamily="2"/>
+              </a:rPr>
+              <a:t>Solutions proposées:</a:t>
+            </a:r>
+            <a:endParaRPr lang="fr-FR" sz="3200" b="1" i="0" u="none" strike="noStrike" kern="1200" spc="0" baseline="0" dirty="0">
+              <a:ln>
+                <a:noFill/>
+              </a:ln>
+              <a:solidFill>
+                <a:srgbClr val="000000"/>
+              </a:solidFill>
+              <a:latin typeface="Calibri" pitchFamily="18"/>
+              <a:ea typeface="Microsoft YaHei" pitchFamily="2"/>
+              <a:cs typeface="Lucida Sans" pitchFamily="2"/>
+            </a:endParaRPr>
+          </a:p>
+        </p:txBody>
+      </p:sp>
+      <p:sp>
+        <p:nvSpPr>
+          <p:cNvPr id="8" name="ZoneTexte 7"/>
+          <p:cNvSpPr txBox="1"/>
+          <p:nvPr/>
+        </p:nvSpPr>
+        <p:spPr>
+          <a:xfrm>
+            <a:off x="477467" y="1082200"/>
+            <a:ext cx="3600400" cy="1200329"/>
+          </a:xfrm>
+          <a:prstGeom prst="rect">
+            <a:avLst/>
+          </a:prstGeom>
+          <a:noFill/>
+        </p:spPr>
+        <p:txBody>
+          <a:bodyPr wrap="square" rtlCol="0">
+            <a:spAutoFit/>
+          </a:bodyPr>
+          <a:lstStyle/>
+          <a:p>
+            <a:r>
+              <a:rPr lang="fr-FR" sz="2400" dirty="0" smtClean="0"/>
+              <a:t>Fit gaussien :</a:t>
+            </a:r>
+          </a:p>
+          <a:p>
+            <a:endParaRPr lang="fr-FR" sz="2400" dirty="0"/>
+          </a:p>
+          <a:p>
+            <a:endParaRPr lang="fr-FR" sz="2400" dirty="0"/>
+          </a:p>
+        </p:txBody>
+      </p:sp>
+      <p:sp>
+        <p:nvSpPr>
+          <p:cNvPr id="10" name="ZoneTexte 9"/>
+          <p:cNvSpPr txBox="1"/>
+          <p:nvPr/>
+        </p:nvSpPr>
+        <p:spPr>
+          <a:xfrm>
+            <a:off x="575816" y="1619597"/>
+            <a:ext cx="9001000" cy="4031873"/>
+          </a:xfrm>
+          <a:prstGeom prst="rect">
+            <a:avLst/>
+          </a:prstGeom>
+          <a:noFill/>
+        </p:spPr>
+        <p:txBody>
+          <a:bodyPr wrap="square" rtlCol="0">
+            <a:spAutoFit/>
+          </a:bodyPr>
+          <a:lstStyle/>
+          <a:p>
+            <a:pPr marL="285750" indent="-285750">
+              <a:buFont typeface="Arial" panose="020B0604020202020204" pitchFamily="34" charset="0"/>
+              <a:buChar char="•"/>
+            </a:pPr>
+            <a:r>
+              <a:rPr lang="fr-FR" sz="2800" dirty="0" smtClean="0"/>
+              <a:t>Seuillage de l’image, fermeture</a:t>
+            </a:r>
+          </a:p>
+          <a:p>
+            <a:pPr marL="285750" indent="-285750">
+              <a:buFont typeface="Arial" panose="020B0604020202020204" pitchFamily="34" charset="0"/>
+              <a:buChar char="•"/>
+            </a:pPr>
+            <a:r>
+              <a:rPr lang="fr-FR" sz="2800" dirty="0" smtClean="0"/>
+              <a:t>Détection des zones -&gt; positions et largeur approximatives des tâches</a:t>
+            </a:r>
+          </a:p>
+          <a:p>
+            <a:pPr marL="285750" indent="-285750">
+              <a:buFont typeface="Arial" panose="020B0604020202020204" pitchFamily="34" charset="0"/>
+              <a:buChar char="•"/>
+            </a:pPr>
+            <a:r>
+              <a:rPr lang="fr-FR" sz="2800" dirty="0" smtClean="0"/>
+              <a:t>Fit de l’image initiale:</a:t>
+            </a:r>
+          </a:p>
+          <a:p>
+            <a:pPr marL="914400" lvl="1" indent="-457200">
+              <a:buFont typeface="Wingdings" panose="05000000000000000000" pitchFamily="2" charset="2"/>
+              <a:buChar char="Ø"/>
+            </a:pPr>
+            <a:r>
+              <a:rPr lang="fr-FR" sz="2800" dirty="0" smtClean="0"/>
+              <a:t> Directement n gaussiennes	</a:t>
+            </a:r>
+            <a:br>
+              <a:rPr lang="fr-FR" sz="2800" dirty="0" smtClean="0"/>
+            </a:br>
+            <a:r>
+              <a:rPr lang="fr-FR" sz="2800" dirty="0" smtClean="0"/>
+              <a:t>		 </a:t>
+            </a:r>
+            <a:r>
+              <a:rPr lang="fr-FR" sz="2400" i="1" dirty="0" smtClean="0"/>
+              <a:t>ou</a:t>
+            </a:r>
+          </a:p>
+          <a:p>
+            <a:pPr marL="914400" lvl="1" indent="-457200">
+              <a:buFont typeface="Wingdings" panose="05000000000000000000" pitchFamily="2" charset="2"/>
+              <a:buChar char="Ø"/>
+            </a:pPr>
+            <a:r>
+              <a:rPr lang="fr-FR" sz="2800" dirty="0" smtClean="0"/>
+              <a:t> Pour chaque tâche séparément</a:t>
+            </a:r>
+          </a:p>
+          <a:p>
+            <a:pPr marL="285750" indent="-285750">
+              <a:buFont typeface="Arial" panose="020B0604020202020204" pitchFamily="34" charset="0"/>
+              <a:buChar char="•"/>
+            </a:pPr>
+            <a:r>
+              <a:rPr lang="fr-FR" sz="2800" dirty="0" smtClean="0"/>
+              <a:t>Renvoie du résultat et du MSE</a:t>
+            </a:r>
+            <a:endParaRPr lang="fr-FR" sz="2800" dirty="0"/>
+          </a:p>
+          <a:p>
+            <a:r>
+              <a:rPr lang="fr-FR" sz="2800" dirty="0" smtClean="0"/>
+              <a:t>    Affichage de l’image reconstituée et des histogrammes</a:t>
+            </a:r>
+          </a:p>
+        </p:txBody>
+      </p:sp>
+    </p:spTree>
+    <p:extLst>
+      <p:ext uri="{BB962C8B-B14F-4D97-AF65-F5344CB8AC3E}">
+        <p14:creationId xmlns:p14="http://schemas.microsoft.com/office/powerpoint/2010/main" val="3104593011"/>
+      </p:ext>
+    </p:extLst>
+  </p:cSld>
+  <p:clrMapOvr>
+    <a:masterClrMapping/>
+  </p:clrMapOvr>
+  <mc:AlternateContent xmlns:mc="http://schemas.openxmlformats.org/markup-compatibility/2006" xmlns:p14="http://schemas.microsoft.com/office/powerpoint/2010/main">
+    <mc:Choice Requires="p14">
+      <p:transition spd="slow" p14:dur="2000"/>
+    </mc:Choice>
+    <mc:Fallback xmlns="">
+      <p:transition spd="slow"/>
+    </mc:Fallback>
+  </mc:AlternateContent>
+  <p:timing>
+    <p:tnLst>
+      <p:par>
+        <p:cTn id="1" dur="indefinite" restart="never" nodeType="tmRoot"/>
+      </p:par>
+    </p:tnLst>
+  </p:timing>
+</p:sld>
+</file>
+
+<file path=ppt/slides/slide3.xml><?xml version="1.0" encoding="utf-8"?>
+<p:sld xmlns:a="http://schemas.openxmlformats.org/drawingml/2006/main" xmlns:r="http://schemas.openxmlformats.org/officeDocument/2006/relationships" xmlns:p="http://schemas.openxmlformats.org/presentationml/2006/main">
+  <p:cSld>
+    <p:spTree>
+      <p:nvGrpSpPr>
+        <p:cNvPr id="1" name=""/>
+        <p:cNvGrpSpPr/>
+        <p:nvPr/>
+      </p:nvGrpSpPr>
+      <p:grpSpPr>
+        <a:xfrm>
+          <a:off x="0" y="0"/>
+          <a:ext cx="0" cy="0"/>
+          <a:chOff x="0" y="0"/>
+          <a:chExt cx="0" cy="0"/>
+        </a:xfrm>
+      </p:grpSpPr>
+      <p:sp>
+        <p:nvSpPr>
+          <p:cNvPr id="2" name="ZoneTexte 2"/>
+          <p:cNvSpPr txBox="1"/>
+          <p:nvPr/>
+        </p:nvSpPr>
+        <p:spPr>
+          <a:xfrm>
+            <a:off x="343080" y="251280"/>
+            <a:ext cx="3736985" cy="593304"/>
+          </a:xfrm>
+          <a:prstGeom prst="rect">
+            <a:avLst/>
+          </a:prstGeom>
+          <a:noFill/>
+          <a:ln>
+            <a:noFill/>
+          </a:ln>
+        </p:spPr>
+        <p:txBody>
+          <a:bodyPr vert="horz" wrap="none" lIns="91440" tIns="45720" rIns="91440" bIns="45720" anchor="t" anchorCtr="0" compatLnSpc="0">
+            <a:spAutoFit/>
+          </a:bodyPr>
+          <a:lstStyle/>
+          <a:p>
+            <a:pPr marL="0" marR="0" lvl="0" indent="0" algn="l" rtl="0" hangingPunct="1">
+              <a:lnSpc>
+                <a:spcPct val="100000"/>
+              </a:lnSpc>
+              <a:spcBef>
+                <a:spcPts val="0"/>
+              </a:spcBef>
+              <a:spcAft>
+                <a:spcPts val="0"/>
+              </a:spcAft>
+              <a:buNone/>
+              <a:tabLst/>
+            </a:pPr>
+            <a:r>
+              <a:rPr lang="fr-FR" sz="3200" b="1" i="0" u="none" strike="noStrike" kern="1200" spc="0" baseline="0" dirty="0" smtClean="0">
+                <a:ln>
+                  <a:noFill/>
+                </a:ln>
+                <a:solidFill>
+                  <a:srgbClr val="000000"/>
+                </a:solidFill>
+                <a:latin typeface="Calibri" pitchFamily="18"/>
+                <a:ea typeface="Microsoft YaHei" pitchFamily="2"/>
+                <a:cs typeface="Lucida Sans" pitchFamily="2"/>
+              </a:rPr>
+              <a:t>Solutions proposées:</a:t>
+            </a:r>
+            <a:endParaRPr lang="fr-FR" sz="3200" b="1" i="0" u="none" strike="noStrike" kern="1200" spc="0" baseline="0" dirty="0">
+              <a:ln>
+                <a:noFill/>
+              </a:ln>
+              <a:solidFill>
+                <a:srgbClr val="000000"/>
+              </a:solidFill>
+              <a:latin typeface="Calibri" pitchFamily="18"/>
+              <a:ea typeface="Microsoft YaHei" pitchFamily="2"/>
+              <a:cs typeface="Lucida Sans" pitchFamily="2"/>
+            </a:endParaRPr>
+          </a:p>
+        </p:txBody>
+      </p:sp>
+      <p:sp>
+        <p:nvSpPr>
+          <p:cNvPr id="8" name="ZoneTexte 7"/>
+          <p:cNvSpPr txBox="1"/>
+          <p:nvPr/>
+        </p:nvSpPr>
+        <p:spPr>
+          <a:xfrm>
+            <a:off x="477467" y="1082200"/>
+            <a:ext cx="3600400" cy="1200329"/>
+          </a:xfrm>
+          <a:prstGeom prst="rect">
+            <a:avLst/>
+          </a:prstGeom>
+          <a:noFill/>
+        </p:spPr>
+        <p:txBody>
+          <a:bodyPr wrap="square" rtlCol="0">
+            <a:spAutoFit/>
+          </a:bodyPr>
+          <a:lstStyle/>
+          <a:p>
+            <a:r>
+              <a:rPr lang="fr-FR" sz="2400" dirty="0" smtClean="0"/>
+              <a:t>Fit gaussien :</a:t>
+            </a:r>
+          </a:p>
+          <a:p>
+            <a:endParaRPr lang="fr-FR" sz="2400" dirty="0"/>
+          </a:p>
+          <a:p>
+            <a:endParaRPr lang="fr-FR" sz="2400" dirty="0"/>
+          </a:p>
+        </p:txBody>
+      </p:sp>
+      <p:pic>
+        <p:nvPicPr>
+          <p:cNvPr id="4098" name="Picture 2"/>
+          <p:cNvPicPr>
+            <a:picLocks noChangeAspect="1" noChangeArrowheads="1"/>
+          </p:cNvPicPr>
+          <p:nvPr/>
+        </p:nvPicPr>
+        <p:blipFill rotWithShape="1">
+          <a:blip r:embed="rId3">
+            <a:extLst>
+              <a:ext uri="{28A0092B-C50C-407E-A947-70E740481C1C}">
+                <a14:useLocalDpi xmlns:a14="http://schemas.microsoft.com/office/drawing/2010/main" val="0"/>
+              </a:ext>
+            </a:extLst>
+          </a:blip>
+          <a:srcRect r="33073"/>
+          <a:stretch/>
+        </p:blipFill>
+        <p:spPr bwMode="auto">
+          <a:xfrm>
+            <a:off x="0" y="1547589"/>
+            <a:ext cx="9776900" cy="5472608"/>
+          </a:xfrm>
+          <a:prstGeom prst="rect">
+            <a:avLst/>
+          </a:prstGeom>
+          <a:noFill/>
+          <a:ln>
+            <a:noFill/>
+          </a:ln>
+          <a:extLst>
+            <a:ext uri="{909E8E84-426E-40DD-AFC4-6F175D3DCCD1}">
+              <a14:hiddenFill xmlns:a14="http://schemas.microsoft.com/office/drawing/2010/main">
+                <a:solidFill>
+                  <a:schemeClr val="accent1"/>
+                </a:solidFill>
+              </a14:hiddenFill>
+            </a:ext>
+            <a:ext uri="{91240B29-F687-4F45-9708-019B960494DF}">
+              <a14:hiddenLine xmlns:a14="http://schemas.microsoft.com/office/drawing/2010/main" w="9525">
+                <a:solidFill>
+                  <a:schemeClr val="tx1"/>
+                </a:solidFill>
+                <a:miter lim="800000"/>
+                <a:headEnd/>
+                <a:tailEnd/>
+              </a14:hiddenLine>
+            </a:ext>
+          </a:extLst>
+        </p:spPr>
+      </p:pic>
+    </p:spTree>
+    <p:extLst>
+      <p:ext uri="{BB962C8B-B14F-4D97-AF65-F5344CB8AC3E}">
+        <p14:creationId xmlns:p14="http://schemas.microsoft.com/office/powerpoint/2010/main" val="3840124069"/>
+      </p:ext>
+    </p:extLst>
+  </p:cSld>
+  <p:clrMapOvr>
+    <a:masterClrMapping/>
+  </p:clrMapOvr>
+  <mc:AlternateContent xmlns:mc="http://schemas.openxmlformats.org/markup-compatibility/2006" xmlns:p14="http://schemas.microsoft.com/office/powerpoint/2010/main">
+    <mc:Choice Requires="p14">
+      <p:transition spd="slow" p14:dur="2000"/>
+    </mc:Choice>
+    <mc:Fallback xmlns="">
+      <p:transition spd="slow"/>
+    </mc:Fallback>
+  </mc:AlternateContent>
+  <p:timing>
+    <p:tnLst>
+      <p:par>
+        <p:cTn id="1" dur="indefinite" restart="never" nodeType="tmRoot"/>
+      </p:par>
+    </p:tnLst>
+  </p:timing>
+</p:sld>
+</file>
+
+<file path=ppt/slides/slide4.xml><?xml version="1.0" encoding="utf-8"?>
+<p:sld xmlns:a="http://schemas.openxmlformats.org/drawingml/2006/main" xmlns:r="http://schemas.openxmlformats.org/officeDocument/2006/relationships" xmlns:p="http://schemas.openxmlformats.org/presentationml/2006/main">
+  <p:cSld>
+    <p:spTree>
+      <p:nvGrpSpPr>
+        <p:cNvPr id="1" name=""/>
+        <p:cNvGrpSpPr/>
+        <p:nvPr/>
+      </p:nvGrpSpPr>
+      <p:grpSpPr>
+        <a:xfrm>
+          <a:off x="0" y="0"/>
+          <a:ext cx="0" cy="0"/>
+          <a:chOff x="0" y="0"/>
+          <a:chExt cx="0" cy="0"/>
+        </a:xfrm>
+      </p:grpSpPr>
+      <p:sp>
+        <p:nvSpPr>
+          <p:cNvPr id="2" name="ZoneTexte 2"/>
+          <p:cNvSpPr txBox="1"/>
+          <p:nvPr/>
+        </p:nvSpPr>
+        <p:spPr>
+          <a:xfrm>
+            <a:off x="343080" y="251280"/>
+            <a:ext cx="3736985" cy="593304"/>
+          </a:xfrm>
+          <a:prstGeom prst="rect">
+            <a:avLst/>
+          </a:prstGeom>
+          <a:noFill/>
+          <a:ln>
+            <a:noFill/>
+          </a:ln>
+        </p:spPr>
+        <p:txBody>
+          <a:bodyPr vert="horz" wrap="none" lIns="91440" tIns="45720" rIns="91440" bIns="45720" anchor="t" anchorCtr="0" compatLnSpc="0">
+            <a:spAutoFit/>
+          </a:bodyPr>
+          <a:lstStyle/>
+          <a:p>
+            <a:pPr marL="0" marR="0" lvl="0" indent="0" algn="l" rtl="0" hangingPunct="1">
+              <a:lnSpc>
+                <a:spcPct val="100000"/>
+              </a:lnSpc>
+              <a:spcBef>
+                <a:spcPts val="0"/>
+              </a:spcBef>
+              <a:spcAft>
+                <a:spcPts val="0"/>
+              </a:spcAft>
+              <a:buNone/>
+              <a:tabLst/>
+            </a:pPr>
+            <a:r>
+              <a:rPr lang="fr-FR" sz="3200" b="1" i="0" u="none" strike="noStrike" kern="1200" spc="0" baseline="0" dirty="0" smtClean="0">
+                <a:ln>
+                  <a:noFill/>
+                </a:ln>
+                <a:solidFill>
+                  <a:srgbClr val="000000"/>
+                </a:solidFill>
+                <a:latin typeface="Calibri" pitchFamily="18"/>
+                <a:ea typeface="Microsoft YaHei" pitchFamily="2"/>
+                <a:cs typeface="Lucida Sans" pitchFamily="2"/>
+              </a:rPr>
+              <a:t>Solutions proposées:</a:t>
+            </a:r>
+            <a:endParaRPr lang="fr-FR" sz="3200" b="1" i="0" u="none" strike="noStrike" kern="1200" spc="0" baseline="0" dirty="0">
+              <a:ln>
+                <a:noFill/>
+              </a:ln>
+              <a:solidFill>
+                <a:srgbClr val="000000"/>
+              </a:solidFill>
+              <a:latin typeface="Calibri" pitchFamily="18"/>
+              <a:ea typeface="Microsoft YaHei" pitchFamily="2"/>
+              <a:cs typeface="Lucida Sans" pitchFamily="2"/>
+            </a:endParaRPr>
+          </a:p>
+        </p:txBody>
+      </p:sp>
+      <p:sp>
+        <p:nvSpPr>
+          <p:cNvPr id="8" name="ZoneTexte 7"/>
+          <p:cNvSpPr txBox="1"/>
+          <p:nvPr/>
+        </p:nvSpPr>
+        <p:spPr>
+          <a:xfrm>
+            <a:off x="477466" y="1082200"/>
+            <a:ext cx="9315374" cy="1200329"/>
+          </a:xfrm>
+          <a:prstGeom prst="rect">
+            <a:avLst/>
+          </a:prstGeom>
+          <a:noFill/>
+        </p:spPr>
+        <p:txBody>
+          <a:bodyPr wrap="square" rtlCol="0">
+            <a:spAutoFit/>
+          </a:bodyPr>
+          <a:lstStyle/>
+          <a:p>
+            <a:r>
+              <a:rPr lang="fr-FR" sz="2400" dirty="0" smtClean="0"/>
+              <a:t>Fit gaussien, cas problématique: gaussiennes proches</a:t>
+            </a:r>
+          </a:p>
+          <a:p>
+            <a:endParaRPr lang="fr-FR" sz="2400" dirty="0"/>
+          </a:p>
+          <a:p>
+            <a:endParaRPr lang="fr-FR" sz="2400" dirty="0"/>
+          </a:p>
+        </p:txBody>
+      </p:sp>
+      <p:grpSp>
+        <p:nvGrpSpPr>
+          <p:cNvPr id="16" name="Groupe 15"/>
+          <p:cNvGrpSpPr/>
+          <p:nvPr/>
+        </p:nvGrpSpPr>
+        <p:grpSpPr>
+          <a:xfrm>
+            <a:off x="477466" y="1750337"/>
+            <a:ext cx="6115164" cy="5328592"/>
+            <a:chOff x="797356" y="1763613"/>
+            <a:chExt cx="5867280" cy="5009202"/>
+          </a:xfrm>
+        </p:grpSpPr>
+        <p:pic>
+          <p:nvPicPr>
+            <p:cNvPr id="2050" name="Picture 2" descr="H:\Professionnel\Essai\ProjetDeconvolution\CR\coupe problematique.jpg"/>
+            <p:cNvPicPr>
+              <a:picLocks noChangeAspect="1" noChangeArrowheads="1"/>
+            </p:cNvPicPr>
+            <p:nvPr/>
+          </p:nvPicPr>
+          <p:blipFill>
+            <a:blip r:embed="rId3">
+              <a:extLst>
+                <a:ext uri="{28A0092B-C50C-407E-A947-70E740481C1C}">
+                  <a14:useLocalDpi xmlns:a14="http://schemas.microsoft.com/office/drawing/2010/main" val="0"/>
+                </a:ext>
+              </a:extLst>
+            </a:blip>
+            <a:srcRect/>
+            <a:stretch>
+              <a:fillRect/>
+            </a:stretch>
+          </p:blipFill>
+          <p:spPr bwMode="auto">
+            <a:xfrm>
+              <a:off x="797356" y="1763613"/>
+              <a:ext cx="5867280" cy="4400460"/>
+            </a:xfrm>
+            <a:prstGeom prst="rect">
+              <a:avLst/>
+            </a:prstGeom>
+            <a:noFill/>
+            <a:extLst>
+              <a:ext uri="{909E8E84-426E-40DD-AFC4-6F175D3DCCD1}">
+                <a14:hiddenFill xmlns:a14="http://schemas.microsoft.com/office/drawing/2010/main">
+                  <a:solidFill>
+                    <a:srgbClr val="FFFFFF"/>
+                  </a:solidFill>
+                </a14:hiddenFill>
+              </a:ext>
+            </a:extLst>
+          </p:spPr>
+        </p:pic>
+        <p:sp>
+          <p:nvSpPr>
+            <p:cNvPr id="5" name="Accolade fermante 4"/>
+            <p:cNvSpPr/>
+            <p:nvPr/>
+          </p:nvSpPr>
+          <p:spPr>
+            <a:xfrm rot="5400000">
+              <a:off x="2376016" y="5552005"/>
+              <a:ext cx="360040" cy="1224136"/>
+            </a:xfrm>
+            <a:prstGeom prst="rightBrace">
+              <a:avLst/>
+            </a:prstGeom>
+          </p:spPr>
+          <p:style>
+            <a:lnRef idx="1">
+              <a:schemeClr val="accent2"/>
+            </a:lnRef>
+            <a:fillRef idx="0">
+              <a:schemeClr val="accent2"/>
+            </a:fillRef>
+            <a:effectRef idx="0">
+              <a:schemeClr val="accent2"/>
+            </a:effectRef>
+            <a:fontRef idx="minor">
+              <a:schemeClr val="tx1"/>
+            </a:fontRef>
+          </p:style>
+          <p:txBody>
+            <a:bodyPr rtlCol="0" anchor="ctr"/>
+            <a:lstStyle/>
+            <a:p>
+              <a:pPr algn="ctr"/>
+              <a:endParaRPr lang="fr-FR"/>
+            </a:p>
+          </p:txBody>
+        </p:sp>
+        <p:sp>
+          <p:nvSpPr>
+            <p:cNvPr id="6" name="ZoneTexte 5"/>
+            <p:cNvSpPr txBox="1"/>
+            <p:nvPr/>
+          </p:nvSpPr>
+          <p:spPr>
+            <a:xfrm>
+              <a:off x="1477311" y="6403483"/>
+              <a:ext cx="2157450" cy="369332"/>
+            </a:xfrm>
+            <a:prstGeom prst="rect">
+              <a:avLst/>
+            </a:prstGeom>
+            <a:noFill/>
+          </p:spPr>
+          <p:txBody>
+            <a:bodyPr wrap="none" rtlCol="0">
+              <a:spAutoFit/>
+            </a:bodyPr>
+            <a:lstStyle/>
+            <a:p>
+              <a:r>
+                <a:rPr lang="fr-FR" dirty="0" smtClean="0">
+                  <a:solidFill>
+                    <a:schemeClr val="accent2"/>
+                  </a:solidFill>
+                </a:rPr>
+                <a:t>Gaussiennes proches</a:t>
+              </a:r>
+              <a:endParaRPr lang="fr-FR" dirty="0">
+                <a:solidFill>
+                  <a:schemeClr val="accent2"/>
+                </a:solidFill>
+              </a:endParaRPr>
+            </a:p>
+          </p:txBody>
+        </p:sp>
+        <p:cxnSp>
+          <p:nvCxnSpPr>
+            <p:cNvPr id="9" name="Connecteur droit 8"/>
+            <p:cNvCxnSpPr/>
+            <p:nvPr/>
+          </p:nvCxnSpPr>
+          <p:spPr>
+            <a:xfrm>
+              <a:off x="1583928" y="3923853"/>
+              <a:ext cx="4392488" cy="0"/>
+            </a:xfrm>
+            <a:prstGeom prst="line">
+              <a:avLst/>
+            </a:prstGeom>
+            <a:effectLst>
+              <a:outerShdw blurRad="50800" dist="38100" dir="2700000" algn="tl" rotWithShape="0">
+                <a:prstClr val="black">
+                  <a:alpha val="40000"/>
+                </a:prstClr>
+              </a:outerShdw>
+            </a:effectLst>
+          </p:spPr>
+          <p:style>
+            <a:lnRef idx="1">
+              <a:schemeClr val="accent3"/>
+            </a:lnRef>
+            <a:fillRef idx="0">
+              <a:schemeClr val="accent3"/>
+            </a:fillRef>
+            <a:effectRef idx="0">
+              <a:schemeClr val="accent3"/>
+            </a:effectRef>
+            <a:fontRef idx="minor">
+              <a:schemeClr val="tx1"/>
+            </a:fontRef>
+          </p:style>
+        </p:cxnSp>
+        <p:sp>
+          <p:nvSpPr>
+            <p:cNvPr id="11" name="ZoneTexte 10"/>
+            <p:cNvSpPr txBox="1"/>
+            <p:nvPr/>
+          </p:nvSpPr>
+          <p:spPr>
+            <a:xfrm>
+              <a:off x="2101697" y="2963875"/>
+              <a:ext cx="274260" cy="369332"/>
+            </a:xfrm>
+            <a:prstGeom prst="rect">
+              <a:avLst/>
+            </a:prstGeom>
+            <a:noFill/>
+          </p:spPr>
+          <p:txBody>
+            <a:bodyPr wrap="none" rtlCol="0">
+              <a:spAutoFit/>
+            </a:bodyPr>
+            <a:lstStyle/>
+            <a:p>
+              <a:r>
+                <a:rPr lang="fr-FR" dirty="0" smtClean="0">
+                  <a:solidFill>
+                    <a:schemeClr val="accent1">
+                      <a:lumMod val="75000"/>
+                    </a:schemeClr>
+                  </a:solidFill>
+                </a:rPr>
+                <a:t>1</a:t>
+              </a:r>
+              <a:endParaRPr lang="fr-FR" dirty="0">
+                <a:solidFill>
+                  <a:schemeClr val="accent1">
+                    <a:lumMod val="75000"/>
+                  </a:schemeClr>
+                </a:solidFill>
+              </a:endParaRPr>
+            </a:p>
+          </p:txBody>
+        </p:sp>
+        <p:sp>
+          <p:nvSpPr>
+            <p:cNvPr id="13" name="ZoneTexte 12"/>
+            <p:cNvSpPr txBox="1"/>
+            <p:nvPr/>
+          </p:nvSpPr>
+          <p:spPr>
+            <a:xfrm>
+              <a:off x="2404940" y="2746943"/>
+              <a:ext cx="301686" cy="369332"/>
+            </a:xfrm>
+            <a:prstGeom prst="rect">
+              <a:avLst/>
+            </a:prstGeom>
+            <a:noFill/>
+          </p:spPr>
+          <p:txBody>
+            <a:bodyPr wrap="none" rtlCol="0">
+              <a:spAutoFit/>
+            </a:bodyPr>
+            <a:lstStyle/>
+            <a:p>
+              <a:r>
+                <a:rPr lang="fr-FR" dirty="0" smtClean="0">
+                  <a:solidFill>
+                    <a:schemeClr val="accent1">
+                      <a:lumMod val="75000"/>
+                    </a:schemeClr>
+                  </a:solidFill>
+                </a:rPr>
+                <a:t>2</a:t>
+              </a:r>
+              <a:endParaRPr lang="fr-FR" dirty="0">
+                <a:solidFill>
+                  <a:schemeClr val="accent1">
+                    <a:lumMod val="75000"/>
+                  </a:schemeClr>
+                </a:solidFill>
+              </a:endParaRPr>
+            </a:p>
+          </p:txBody>
+        </p:sp>
+        <p:sp>
+          <p:nvSpPr>
+            <p:cNvPr id="14" name="ZoneTexte 13"/>
+            <p:cNvSpPr txBox="1"/>
+            <p:nvPr/>
+          </p:nvSpPr>
+          <p:spPr>
+            <a:xfrm>
+              <a:off x="4147478" y="4346609"/>
+              <a:ext cx="331855" cy="369332"/>
+            </a:xfrm>
+            <a:prstGeom prst="rect">
+              <a:avLst/>
+            </a:prstGeom>
+            <a:noFill/>
+          </p:spPr>
+          <p:txBody>
+            <a:bodyPr wrap="none" rtlCol="0">
+              <a:spAutoFit/>
+            </a:bodyPr>
+            <a:lstStyle/>
+            <a:p>
+              <a:r>
+                <a:rPr lang="fr-FR" dirty="0">
+                  <a:solidFill>
+                    <a:schemeClr val="accent1">
+                      <a:lumMod val="75000"/>
+                    </a:schemeClr>
+                  </a:solidFill>
+                </a:rPr>
+                <a:t>3</a:t>
+              </a:r>
+              <a:endParaRPr lang="fr-FR" dirty="0">
+                <a:solidFill>
+                  <a:schemeClr val="accent1">
+                    <a:lumMod val="75000"/>
+                  </a:schemeClr>
+                </a:solidFill>
+              </a:endParaRPr>
+            </a:p>
+          </p:txBody>
+        </p:sp>
+        <p:sp>
+          <p:nvSpPr>
+            <p:cNvPr id="15" name="ZoneTexte 14"/>
+            <p:cNvSpPr txBox="1"/>
+            <p:nvPr/>
+          </p:nvSpPr>
+          <p:spPr>
+            <a:xfrm>
+              <a:off x="5299606" y="2097863"/>
+              <a:ext cx="331855" cy="369332"/>
+            </a:xfrm>
+            <a:prstGeom prst="rect">
+              <a:avLst/>
+            </a:prstGeom>
+            <a:noFill/>
+          </p:spPr>
+          <p:txBody>
+            <a:bodyPr wrap="none" rtlCol="0">
+              <a:spAutoFit/>
+            </a:bodyPr>
+            <a:lstStyle/>
+            <a:p>
+              <a:r>
+                <a:rPr lang="fr-FR" dirty="0" smtClean="0">
+                  <a:solidFill>
+                    <a:schemeClr val="accent1">
+                      <a:lumMod val="75000"/>
+                    </a:schemeClr>
+                  </a:solidFill>
+                </a:rPr>
+                <a:t>4</a:t>
+              </a:r>
+              <a:endParaRPr lang="fr-FR" dirty="0">
+                <a:solidFill>
+                  <a:schemeClr val="accent1">
+                    <a:lumMod val="75000"/>
+                  </a:schemeClr>
+                </a:solidFill>
+              </a:endParaRPr>
+            </a:p>
+          </p:txBody>
+        </p:sp>
+        <p:sp>
+          <p:nvSpPr>
+            <p:cNvPr id="12" name="ZoneTexte 11"/>
+            <p:cNvSpPr txBox="1"/>
+            <p:nvPr/>
+          </p:nvSpPr>
+          <p:spPr>
+            <a:xfrm>
+              <a:off x="3312120" y="3595171"/>
+              <a:ext cx="734496" cy="369332"/>
+            </a:xfrm>
+            <a:prstGeom prst="rect">
+              <a:avLst/>
+            </a:prstGeom>
+            <a:noFill/>
+          </p:spPr>
+          <p:txBody>
+            <a:bodyPr wrap="none" rtlCol="0">
+              <a:spAutoFit/>
+            </a:bodyPr>
+            <a:lstStyle/>
+            <a:p>
+              <a:r>
+                <a:rPr lang="fr-FR" dirty="0" smtClean="0">
+                  <a:solidFill>
+                    <a:schemeClr val="accent3">
+                      <a:lumMod val="75000"/>
+                    </a:schemeClr>
+                  </a:solidFill>
+                </a:rPr>
+                <a:t>seuil1</a:t>
+              </a:r>
+              <a:endParaRPr lang="fr-FR" dirty="0">
+                <a:solidFill>
+                  <a:schemeClr val="accent3">
+                    <a:lumMod val="75000"/>
+                  </a:schemeClr>
+                </a:solidFill>
+              </a:endParaRPr>
+            </a:p>
+          </p:txBody>
+        </p:sp>
+        <p:cxnSp>
+          <p:nvCxnSpPr>
+            <p:cNvPr id="17" name="Connecteur droit 16"/>
+            <p:cNvCxnSpPr/>
+            <p:nvPr/>
+          </p:nvCxnSpPr>
+          <p:spPr>
+            <a:xfrm>
+              <a:off x="1583928" y="5147989"/>
+              <a:ext cx="4392488" cy="0"/>
+            </a:xfrm>
+            <a:prstGeom prst="line">
+              <a:avLst/>
+            </a:prstGeom>
+            <a:effectLst>
+              <a:outerShdw blurRad="50800" dist="38100" dir="2700000" algn="tl" rotWithShape="0">
+                <a:prstClr val="black">
+                  <a:alpha val="40000"/>
+                </a:prstClr>
+              </a:outerShdw>
+            </a:effectLst>
+          </p:spPr>
+          <p:style>
+            <a:lnRef idx="1">
+              <a:schemeClr val="accent6"/>
+            </a:lnRef>
+            <a:fillRef idx="0">
+              <a:schemeClr val="accent6"/>
+            </a:fillRef>
+            <a:effectRef idx="0">
+              <a:schemeClr val="accent6"/>
+            </a:effectRef>
+            <a:fontRef idx="minor">
+              <a:schemeClr val="tx1"/>
+            </a:fontRef>
+          </p:style>
+        </p:cxnSp>
+        <p:sp>
+          <p:nvSpPr>
+            <p:cNvPr id="18" name="ZoneTexte 17"/>
+            <p:cNvSpPr txBox="1"/>
+            <p:nvPr/>
+          </p:nvSpPr>
+          <p:spPr>
+            <a:xfrm>
+              <a:off x="3312120" y="4819307"/>
+              <a:ext cx="734496" cy="369332"/>
+            </a:xfrm>
+            <a:prstGeom prst="rect">
+              <a:avLst/>
+            </a:prstGeom>
+            <a:noFill/>
+          </p:spPr>
+          <p:txBody>
+            <a:bodyPr wrap="none" rtlCol="0">
+              <a:spAutoFit/>
+            </a:bodyPr>
+            <a:lstStyle/>
+            <a:p>
+              <a:r>
+                <a:rPr lang="fr-FR" dirty="0" smtClean="0">
+                  <a:solidFill>
+                    <a:srgbClr val="F6882E"/>
+                  </a:solidFill>
+                </a:rPr>
+                <a:t>seuil2</a:t>
+              </a:r>
+              <a:endParaRPr lang="fr-FR" dirty="0">
+                <a:solidFill>
+                  <a:srgbClr val="F6882E"/>
+                </a:solidFill>
+              </a:endParaRPr>
+            </a:p>
+          </p:txBody>
+        </p:sp>
+      </p:grpSp>
+      <p:sp>
+        <p:nvSpPr>
+          <p:cNvPr id="19" name="ZoneTexte 18"/>
+          <p:cNvSpPr txBox="1"/>
+          <p:nvPr/>
+        </p:nvSpPr>
+        <p:spPr>
+          <a:xfrm>
+            <a:off x="6264448" y="5878600"/>
+            <a:ext cx="4032448" cy="1200329"/>
+          </a:xfrm>
+          <a:prstGeom prst="rect">
+            <a:avLst/>
+          </a:prstGeom>
+          <a:noFill/>
+        </p:spPr>
+        <p:txBody>
+          <a:bodyPr wrap="square" rtlCol="0">
+            <a:spAutoFit/>
+          </a:bodyPr>
+          <a:lstStyle/>
+          <a:p>
+            <a:r>
+              <a:rPr lang="fr-FR" sz="2400" dirty="0" smtClean="0"/>
+              <a:t>=&gt; rayon final surestimé</a:t>
+            </a:r>
+            <a:br>
+              <a:rPr lang="fr-FR" sz="2400" dirty="0" smtClean="0"/>
+            </a:br>
+            <a:r>
+              <a:rPr lang="fr-FR" sz="2400" dirty="0"/>
+              <a:t>=&gt; </a:t>
+            </a:r>
+            <a:r>
+              <a:rPr lang="fr-FR" sz="2400" dirty="0" smtClean="0"/>
+              <a:t>Nombre de tâches faussé</a:t>
+            </a:r>
+            <a:endParaRPr lang="fr-FR" sz="2400" dirty="0"/>
+          </a:p>
+          <a:p>
+            <a:endParaRPr lang="fr-FR" sz="2400" dirty="0"/>
+          </a:p>
+        </p:txBody>
+      </p:sp>
+      <p:sp>
+        <p:nvSpPr>
+          <p:cNvPr id="20" name="ZoneTexte 19"/>
+          <p:cNvSpPr txBox="1"/>
+          <p:nvPr/>
+        </p:nvSpPr>
+        <p:spPr>
+          <a:xfrm>
+            <a:off x="6483022" y="2323468"/>
+            <a:ext cx="3344226" cy="1938992"/>
+          </a:xfrm>
+          <a:prstGeom prst="rect">
+            <a:avLst/>
+          </a:prstGeom>
+          <a:noFill/>
+        </p:spPr>
+        <p:txBody>
+          <a:bodyPr wrap="square" rtlCol="0">
+            <a:spAutoFit/>
+          </a:bodyPr>
+          <a:lstStyle/>
+          <a:p>
+            <a:r>
+              <a:rPr lang="fr-FR" sz="2000" u="sng" dirty="0" smtClean="0">
+                <a:solidFill>
+                  <a:schemeClr val="accent3">
+                    <a:lumMod val="75000"/>
+                  </a:schemeClr>
+                </a:solidFill>
+              </a:rPr>
+              <a:t>Seuil 1:</a:t>
+            </a:r>
+            <a:r>
+              <a:rPr lang="fr-FR" sz="2000" dirty="0" smtClean="0">
+                <a:solidFill>
+                  <a:schemeClr val="accent3">
+                    <a:lumMod val="75000"/>
+                  </a:schemeClr>
+                </a:solidFill>
+              </a:rPr>
+              <a:t/>
+            </a:r>
+            <a:br>
+              <a:rPr lang="fr-FR" sz="2000" dirty="0" smtClean="0">
+                <a:solidFill>
+                  <a:schemeClr val="accent3">
+                    <a:lumMod val="75000"/>
+                  </a:schemeClr>
+                </a:solidFill>
+              </a:rPr>
+            </a:br>
+            <a:r>
+              <a:rPr lang="fr-FR" sz="2000" dirty="0" smtClean="0">
+                <a:solidFill>
+                  <a:schemeClr val="accent3">
+                    <a:lumMod val="75000"/>
+                  </a:schemeClr>
+                </a:solidFill>
+              </a:rPr>
+              <a:t>localise 1, 2 et 4</a:t>
+            </a:r>
+            <a:r>
+              <a:rPr lang="fr-FR" sz="2000" dirty="0" smtClean="0"/>
+              <a:t/>
+            </a:r>
+            <a:br>
+              <a:rPr lang="fr-FR" sz="2000" dirty="0" smtClean="0"/>
+            </a:br>
+            <a:endParaRPr lang="fr-FR" sz="2000" dirty="0" smtClean="0"/>
+          </a:p>
+          <a:p>
+            <a:r>
+              <a:rPr lang="fr-FR" sz="2000" u="sng" dirty="0" smtClean="0">
+                <a:solidFill>
+                  <a:schemeClr val="accent6">
+                    <a:lumMod val="75000"/>
+                  </a:schemeClr>
+                </a:solidFill>
+              </a:rPr>
+              <a:t>Seuil 2:</a:t>
+            </a:r>
+            <a:r>
+              <a:rPr lang="fr-FR" sz="2000" dirty="0" smtClean="0">
+                <a:solidFill>
+                  <a:schemeClr val="accent6">
+                    <a:lumMod val="75000"/>
+                  </a:schemeClr>
+                </a:solidFill>
+              </a:rPr>
+              <a:t/>
+            </a:r>
+            <a:br>
+              <a:rPr lang="fr-FR" sz="2000" dirty="0" smtClean="0">
+                <a:solidFill>
+                  <a:schemeClr val="accent6">
+                    <a:lumMod val="75000"/>
+                  </a:schemeClr>
+                </a:solidFill>
+              </a:rPr>
+            </a:br>
+            <a:r>
+              <a:rPr lang="fr-FR" sz="2000" dirty="0" smtClean="0">
+                <a:solidFill>
+                  <a:schemeClr val="accent6">
+                    <a:lumMod val="75000"/>
+                  </a:schemeClr>
+                </a:solidFill>
+              </a:rPr>
+              <a:t>localise toutes les gaussiennes mais confond 1 et 2 </a:t>
+            </a:r>
+            <a:endParaRPr lang="fr-FR" sz="2000" dirty="0">
+              <a:solidFill>
+                <a:schemeClr val="accent6">
+                  <a:lumMod val="75000"/>
+                </a:schemeClr>
+              </a:solidFill>
+            </a:endParaRPr>
+          </a:p>
+        </p:txBody>
+      </p:sp>
+    </p:spTree>
+    <p:extLst>
+      <p:ext uri="{BB962C8B-B14F-4D97-AF65-F5344CB8AC3E}">
+        <p14:creationId xmlns:p14="http://schemas.microsoft.com/office/powerpoint/2010/main" val="3694476959"/>
+      </p:ext>
+    </p:extLst>
+  </p:cSld>
+  <p:clrMapOvr>
+    <a:masterClrMapping/>
+  </p:clrMapOvr>
+  <mc:AlternateContent xmlns:mc="http://schemas.openxmlformats.org/markup-compatibility/2006" xmlns:p14="http://schemas.microsoft.com/office/powerpoint/2010/main">
+    <mc:Choice Requires="p14">
+      <p:transition spd="slow" p14:dur="2000"/>
+    </mc:Choice>
+    <mc:Fallback xmlns="">
+      <p:transition spd="slow"/>
+    </mc:Fallback>
+  </mc:AlternateContent>
+  <p:timing>
+    <p:tnLst>
+      <p:par>
+        <p:cTn id="1" dur="indefinite" restart="never" nodeType="tmRoot"/>
+      </p:par>
+    </p:tnLst>
+  </p:timing>
+</p:sld>
+</file>
+
+<file path=ppt/slides/slide5.xml><?xml version="1.0" encoding="utf-8"?>
+<p:sld xmlns:a="http://schemas.openxmlformats.org/drawingml/2006/main" xmlns:r="http://schemas.openxmlformats.org/officeDocument/2006/relationships" xmlns:p="http://schemas.openxmlformats.org/presentationml/2006/main">
+  <p:cSld>
     <p:spTree>
       <p:nvGrpSpPr>
         <p:cNvPr id="1" name=""/>
@@ -7631,13 +9862,13 @@
           <p:nvPr>
             <p:extLst>
               <p:ext uri="{D42A27DB-BD31-4B8C-83A1-F6EECF244321}">
-                <p14:modId xmlns:p14="http://schemas.microsoft.com/office/powerpoint/2010/main" val="3045267705"/>
+                <p14:modId xmlns:p14="http://schemas.microsoft.com/office/powerpoint/2010/main" val="2780850457"/>
               </p:ext>
             </p:extLst>
           </p:nvPr>
         </p:nvGraphicFramePr>
         <p:xfrm>
-          <a:off x="343080" y="1619597"/>
+          <a:off x="343080" y="1187549"/>
           <a:ext cx="6720417" cy="4480278"/>
         </p:xfrm>
         <a:graphic>
@@ -7646,16 +9877,51 @@
           </a:graphicData>
         </a:graphic>
       </p:graphicFrame>
+      <p:sp>
+        <p:nvSpPr>
+          <p:cNvPr id="3" name="ZoneTexte 2"/>
+          <p:cNvSpPr txBox="1"/>
+          <p:nvPr/>
+        </p:nvSpPr>
+        <p:spPr>
+          <a:xfrm>
+            <a:off x="324156" y="6018165"/>
+            <a:ext cx="8208912" cy="523220"/>
+          </a:xfrm>
+          <a:prstGeom prst="rect">
+            <a:avLst/>
+          </a:prstGeom>
+          <a:noFill/>
+        </p:spPr>
+        <p:txBody>
+          <a:bodyPr wrap="square" rtlCol="0">
+            <a:spAutoFit/>
+          </a:bodyPr>
+          <a:lstStyle/>
+          <a:p>
+            <a:r>
+              <a:rPr lang="fr-FR" sz="2800" dirty="0" smtClean="0"/>
+              <a:t>Quelques problèmes rencontrés: </a:t>
+            </a:r>
+            <a:endParaRPr lang="fr-FR" sz="2800" dirty="0"/>
+          </a:p>
+        </p:txBody>
+      </p:sp>
     </p:spTree>
+    <p:extLst>
+      <p:ext uri="{BB962C8B-B14F-4D97-AF65-F5344CB8AC3E}">
+        <p14:creationId xmlns:p14="http://schemas.microsoft.com/office/powerpoint/2010/main" val="4159916665"/>
+      </p:ext>
+    </p:extLst>
   </p:cSld>
   <p:clrMapOvr>
     <a:masterClrMapping/>
   </p:clrMapOvr>
-  <mc:AlternateContent xmlns:mc="http://schemas.openxmlformats.org/markup-compatibility/2006">
-    <mc:Choice xmlns:p14="http://schemas.microsoft.com/office/powerpoint/2010/main" Requires="p14">
+  <mc:AlternateContent xmlns:mc="http://schemas.openxmlformats.org/markup-compatibility/2006" xmlns:p14="http://schemas.microsoft.com/office/powerpoint/2010/main">
+    <mc:Choice Requires="p14">
       <p:transition spd="slow" p14:dur="2000"/>
     </mc:Choice>
-    <mc:Fallback>
+    <mc:Fallback xmlns="">
       <p:transition spd="slow"/>
     </mc:Fallback>
   </mc:AlternateContent>
@@ -7669,7 +9935,7 @@
 </p:sld>
 </file>
 
-<file path=ppt/slides/slide3.xml><?xml version="1.0" encoding="utf-8"?>
+<file path=ppt/slides/slide6.xml><?xml version="1.0" encoding="utf-8"?>
 <p:sld xmlns:a="http://schemas.openxmlformats.org/drawingml/2006/main" xmlns:r="http://schemas.openxmlformats.org/officeDocument/2006/relationships" xmlns:p="http://schemas.openxmlformats.org/presentationml/2006/main">
   <p:cSld>
     <p:spTree>
@@ -7858,11 +10124,11 @@
   <p:clrMapOvr>
     <a:masterClrMapping/>
   </p:clrMapOvr>
-  <mc:AlternateContent xmlns:mc="http://schemas.openxmlformats.org/markup-compatibility/2006">
-    <mc:Choice xmlns:p14="http://schemas.microsoft.com/office/powerpoint/2010/main" Requires="p14">
+  <mc:AlternateContent xmlns:mc="http://schemas.openxmlformats.org/markup-compatibility/2006" xmlns:p14="http://schemas.microsoft.com/office/powerpoint/2010/main">
+    <mc:Choice Requires="p14">
       <p:transition spd="slow" p14:dur="2000"/>
     </mc:Choice>
-    <mc:Fallback>
+    <mc:Fallback xmlns="">
       <p:transition spd="slow"/>
     </mc:Fallback>
   </mc:AlternateContent>
@@ -7876,7 +10142,7 @@
 </p:sld>
 </file>
 
-<file path=ppt/slides/slide4.xml><?xml version="1.0" encoding="utf-8"?>
+<file path=ppt/slides/slide7.xml><?xml version="1.0" encoding="utf-8"?>
 <p:sld xmlns:a="http://schemas.openxmlformats.org/drawingml/2006/main" xmlns:r="http://schemas.openxmlformats.org/officeDocument/2006/relationships" xmlns:p="http://schemas.openxmlformats.org/presentationml/2006/main">
   <p:cSld>
     <p:spTree>
@@ -7996,7 +10262,7 @@
         <p:spPr bwMode="auto">
           <a:xfrm>
             <a:off x="431800" y="1159193"/>
-            <a:ext cx="9113574" cy="4449200"/>
+            <a:ext cx="9217024" cy="4449200"/>
           </a:xfrm>
           <a:prstGeom prst="rect">
             <a:avLst/>
@@ -8064,11 +10330,11 @@
   <p:clrMapOvr>
     <a:masterClrMapping/>
   </p:clrMapOvr>
-  <mc:AlternateContent xmlns:mc="http://schemas.openxmlformats.org/markup-compatibility/2006">
-    <mc:Choice xmlns:p14="http://schemas.microsoft.com/office/powerpoint/2010/main" Requires="p14">
+  <mc:AlternateContent xmlns:mc="http://schemas.openxmlformats.org/markup-compatibility/2006" xmlns:p14="http://schemas.microsoft.com/office/powerpoint/2010/main">
+    <mc:Choice Requires="p14">
       <p:transition spd="slow" p14:dur="2000"/>
     </mc:Choice>
-    <mc:Fallback>
+    <mc:Fallback xmlns="">
       <p:transition spd="slow"/>
     </mc:Fallback>
   </mc:AlternateContent>
@@ -8082,7 +10348,7 @@
 </p:sld>
 </file>
 
-<file path=ppt/slides/slide5.xml><?xml version="1.0" encoding="utf-8"?>
+<file path=ppt/slides/slide8.xml><?xml version="1.0" encoding="utf-8"?>
 <p:sld xmlns:a="http://schemas.openxmlformats.org/drawingml/2006/main" xmlns:r="http://schemas.openxmlformats.org/officeDocument/2006/relationships" xmlns:p="http://schemas.openxmlformats.org/presentationml/2006/main">
   <p:cSld name="page1">
     <p:spTree>
@@ -8163,7 +10429,7 @@
         <p:spPr>
           <a:xfrm>
             <a:off x="503640" y="1115640"/>
-            <a:ext cx="8569080" cy="5352234"/>
+            <a:ext cx="8569080" cy="6667210"/>
           </a:xfrm>
           <a:prstGeom prst="rect">
             <a:avLst/>
@@ -8361,7 +10627,7 @@
               <a:t>- </a:t>
             </a:r>
             <a:r>
-              <a:rPr lang="fr-FR" sz="2800" b="0" i="0" u="none" strike="noStrike" kern="1200" spc="0" baseline="0" dirty="0" err="1">
+              <a:rPr lang="fr-FR" sz="2800" b="0" i="0" u="none" strike="noStrike" kern="1200" spc="0" baseline="0" dirty="0" err="1" smtClean="0">
                 <a:ln>
                   <a:noFill/>
                 </a:ln>
@@ -8373,6 +10639,116 @@
                 <a:cs typeface="Lucida Sans" pitchFamily="2"/>
               </a:rPr>
               <a:t>Déconvolution</a:t>
+            </a:r>
+            <a:r>
+              <a:rPr lang="fr-FR" sz="2800" b="0" i="0" u="none" strike="noStrike" kern="1200" spc="0" baseline="0" dirty="0" smtClean="0">
+                <a:ln>
+                  <a:noFill/>
+                </a:ln>
+                <a:solidFill>
+                  <a:srgbClr val="000000"/>
+                </a:solidFill>
+                <a:latin typeface="Calibri" pitchFamily="18"/>
+                <a:ea typeface="Microsoft YaHei" pitchFamily="2"/>
+                <a:cs typeface="Lucida Sans" pitchFamily="2"/>
+              </a:rPr>
+              <a:t>:</a:t>
+            </a:r>
+            <a:br>
+              <a:rPr lang="fr-FR" sz="2800" b="0" i="0" u="none" strike="noStrike" kern="1200" spc="0" baseline="0" dirty="0" smtClean="0">
+                <a:ln>
+                  <a:noFill/>
+                </a:ln>
+                <a:solidFill>
+                  <a:srgbClr val="000000"/>
+                </a:solidFill>
+                <a:latin typeface="Calibri" pitchFamily="18"/>
+                <a:ea typeface="Microsoft YaHei" pitchFamily="2"/>
+                <a:cs typeface="Lucida Sans" pitchFamily="2"/>
+              </a:rPr>
+            </a:br>
+            <a:r>
+              <a:rPr lang="fr-FR" sz="2800" b="0" i="0" u="none" strike="noStrike" kern="1200" spc="0" baseline="0" dirty="0" smtClean="0">
+                <a:ln>
+                  <a:noFill/>
+                </a:ln>
+                <a:solidFill>
+                  <a:srgbClr val="000000"/>
+                </a:solidFill>
+                <a:latin typeface="Calibri" pitchFamily="18"/>
+                <a:ea typeface="Microsoft YaHei" pitchFamily="2"/>
+                <a:cs typeface="Lucida Sans" pitchFamily="2"/>
+              </a:rPr>
+              <a:t>	- Recherche automatique de paramètres optimaux</a:t>
+            </a:r>
+            <a:br>
+              <a:rPr lang="fr-FR" sz="2800" b="0" i="0" u="none" strike="noStrike" kern="1200" spc="0" baseline="0" dirty="0" smtClean="0">
+                <a:ln>
+                  <a:noFill/>
+                </a:ln>
+                <a:solidFill>
+                  <a:srgbClr val="000000"/>
+                </a:solidFill>
+                <a:latin typeface="Calibri" pitchFamily="18"/>
+                <a:ea typeface="Microsoft YaHei" pitchFamily="2"/>
+                <a:cs typeface="Lucida Sans" pitchFamily="2"/>
+              </a:rPr>
+            </a:br>
+            <a:r>
+              <a:rPr lang="fr-FR" sz="2800" b="0" i="0" u="none" strike="noStrike" kern="1200" spc="0" baseline="0" dirty="0" smtClean="0">
+                <a:ln>
+                  <a:noFill/>
+                </a:ln>
+                <a:solidFill>
+                  <a:srgbClr val="000000"/>
+                </a:solidFill>
+                <a:latin typeface="Calibri" pitchFamily="18"/>
+                <a:ea typeface="Microsoft YaHei" pitchFamily="2"/>
+                <a:cs typeface="Lucida Sans" pitchFamily="2"/>
+              </a:rPr>
+              <a:t>	- Choix</a:t>
+            </a:r>
+            <a:r>
+              <a:rPr lang="fr-FR" sz="2800" b="0" i="0" u="none" strike="noStrike" kern="1200" spc="0" dirty="0" smtClean="0">
+                <a:ln>
+                  <a:noFill/>
+                </a:ln>
+                <a:solidFill>
+                  <a:srgbClr val="000000"/>
+                </a:solidFill>
+                <a:latin typeface="Calibri" pitchFamily="18"/>
+                <a:ea typeface="Microsoft YaHei" pitchFamily="2"/>
+                <a:cs typeface="Lucida Sans" pitchFamily="2"/>
+              </a:rPr>
+              <a:t> de la </a:t>
+            </a:r>
+            <a:r>
+              <a:rPr lang="fr-FR" sz="2800" b="0" i="0" u="none" strike="noStrike" kern="1200" spc="0" dirty="0" err="1" smtClean="0">
+                <a:ln>
+                  <a:noFill/>
+                </a:ln>
+                <a:solidFill>
+                  <a:srgbClr val="000000"/>
+                </a:solidFill>
+                <a:latin typeface="Calibri" pitchFamily="18"/>
+                <a:ea typeface="Microsoft YaHei" pitchFamily="2"/>
+                <a:cs typeface="Lucida Sans" pitchFamily="2"/>
+              </a:rPr>
+              <a:t>déconvolution</a:t>
+            </a:r>
+            <a:r>
+              <a:rPr lang="fr-FR" sz="2800" b="0" i="0" u="none" strike="noStrike" kern="1200" spc="0" dirty="0" smtClean="0">
+                <a:ln>
+                  <a:noFill/>
+                </a:ln>
+                <a:solidFill>
+                  <a:srgbClr val="000000"/>
+                </a:solidFill>
+                <a:latin typeface="Calibri" pitchFamily="18"/>
+                <a:ea typeface="Microsoft YaHei" pitchFamily="2"/>
+                <a:cs typeface="Lucida Sans" pitchFamily="2"/>
+              </a:rPr>
+              <a:t> la plus adaptée</a:t>
             </a:r>
             <a:r>
               <a:rPr lang="fr-FR" sz="2800" b="0" i="0" u="none" strike="noStrike" kern="1200" spc="0" baseline="0" dirty="0">
@@ -8413,8 +10789,101 @@
                 <a:ea typeface="Microsoft YaHei" pitchFamily="2"/>
                 <a:cs typeface="Lucida Sans" pitchFamily="2"/>
               </a:rPr>
-              <a:t>- Détection et fit</a:t>
-            </a:r>
+              <a:t>- Détection et </a:t>
+            </a:r>
+            <a:r>
+              <a:rPr lang="fr-FR" sz="2800" b="0" i="0" u="none" strike="noStrike" kern="1200" spc="0" baseline="0" dirty="0" smtClean="0">
+                <a:ln>
+                  <a:noFill/>
+                </a:ln>
+                <a:solidFill>
+                  <a:srgbClr val="000000"/>
+                </a:solidFill>
+                <a:latin typeface="Calibri" pitchFamily="18"/>
+                <a:ea typeface="Microsoft YaHei" pitchFamily="2"/>
+                <a:cs typeface="Lucida Sans" pitchFamily="2"/>
+              </a:rPr>
+              <a:t>fit</a:t>
+            </a:r>
+            <a:br>
+              <a:rPr lang="fr-FR" sz="2800" b="0" i="0" u="none" strike="noStrike" kern="1200" spc="0" baseline="0" dirty="0" smtClean="0">
+                <a:ln>
+                  <a:noFill/>
+                </a:ln>
+                <a:solidFill>
+                  <a:srgbClr val="000000"/>
+                </a:solidFill>
+                <a:latin typeface="Calibri" pitchFamily="18"/>
+                <a:ea typeface="Microsoft YaHei" pitchFamily="2"/>
+                <a:cs typeface="Lucida Sans" pitchFamily="2"/>
+              </a:rPr>
+            </a:br>
+            <a:r>
+              <a:rPr lang="fr-FR" sz="2800" b="0" i="0" u="none" strike="noStrike" kern="1200" spc="0" baseline="0" dirty="0" smtClean="0">
+                <a:ln>
+                  <a:noFill/>
+                </a:ln>
+                <a:solidFill>
+                  <a:srgbClr val="000000"/>
+                </a:solidFill>
+                <a:latin typeface="Calibri" pitchFamily="18"/>
+                <a:ea typeface="Microsoft YaHei" pitchFamily="2"/>
+                <a:cs typeface="Lucida Sans" pitchFamily="2"/>
+              </a:rPr>
+              <a:t>	-</a:t>
+            </a:r>
+            <a:r>
+              <a:rPr lang="fr-FR" sz="2800" b="0" i="0" u="none" strike="noStrike" kern="1200" spc="0" dirty="0" smtClean="0">
+                <a:ln>
+                  <a:noFill/>
+                </a:ln>
+                <a:solidFill>
+                  <a:srgbClr val="000000"/>
+                </a:solidFill>
+                <a:latin typeface="Calibri" pitchFamily="18"/>
+                <a:ea typeface="Microsoft YaHei" pitchFamily="2"/>
+                <a:cs typeface="Lucida Sans" pitchFamily="2"/>
+              </a:rPr>
+              <a:t> Recherche de paramètres initiaux proches</a:t>
+            </a:r>
+            <a:br>
+              <a:rPr lang="fr-FR" sz="2800" b="0" i="0" u="none" strike="noStrike" kern="1200" spc="0" dirty="0" smtClean="0">
+                <a:ln>
+                  <a:noFill/>
+                </a:ln>
+                <a:solidFill>
+                  <a:srgbClr val="000000"/>
+                </a:solidFill>
+                <a:latin typeface="Calibri" pitchFamily="18"/>
+                <a:ea typeface="Microsoft YaHei" pitchFamily="2"/>
+                <a:cs typeface="Lucida Sans" pitchFamily="2"/>
+              </a:rPr>
+            </a:br>
+            <a:r>
+              <a:rPr lang="fr-FR" sz="2800" b="0" i="0" u="none" strike="noStrike" kern="1200" spc="0" dirty="0" smtClean="0">
+                <a:ln>
+                  <a:noFill/>
+                </a:ln>
+                <a:solidFill>
+                  <a:srgbClr val="000000"/>
+                </a:solidFill>
+                <a:latin typeface="Calibri" pitchFamily="18"/>
+                <a:ea typeface="Microsoft YaHei" pitchFamily="2"/>
+                <a:cs typeface="Lucida Sans" pitchFamily="2"/>
+              </a:rPr>
+              <a:t>	- 4 algorithmes différents</a:t>
+            </a:r>
+            <a:endParaRPr lang="fr-FR" sz="2800" b="0" i="0" u="none" strike="noStrike" kern="1200" spc="0" baseline="0" dirty="0">
+              <a:ln>
+                <a:noFill/>
+              </a:ln>
+              <a:solidFill>
+                <a:srgbClr val="000000"/>
+              </a:solidFill>
+              <a:latin typeface="Calibri" pitchFamily="18"/>
+              <a:ea typeface="Microsoft YaHei" pitchFamily="2"/>
+              <a:cs typeface="Lucida Sans" pitchFamily="2"/>
+            </a:endParaRPr>
           </a:p>
           <a:p>
             <a:pPr marL="343080" marR="0" lvl="0" indent="-343080" algn="l" rtl="0" hangingPunct="1">
@@ -8445,34 +10914,6 @@
             </a:endParaRPr>
           </a:p>
           <a:p>
-            <a:pPr marL="343080" marR="0" lvl="0" indent="-343080" algn="l" rtl="0" hangingPunct="1">
-              <a:lnSpc>
-                <a:spcPct val="100000"/>
-              </a:lnSpc>
-              <a:spcBef>
-                <a:spcPts val="0"/>
-              </a:spcBef>
-              <a:spcAft>
-                <a:spcPts val="0"/>
-              </a:spcAft>
-              <a:buSzPct val="100000"/>
-              <a:buFont typeface="Arial" pitchFamily="34"/>
-              <a:buChar char="•"/>
-              <a:tabLst/>
-            </a:pPr>
-            <a:endParaRPr lang="fr-FR" sz="2800" b="0" i="0" u="none" strike="noStrike" kern="1200" spc="0" baseline="0" dirty="0">
-              <a:ln>
-                <a:noFill/>
-              </a:ln>
-              <a:solidFill>
-                <a:srgbClr val="000000"/>
-              </a:solidFill>
-              <a:latin typeface="Calibri" pitchFamily="18"/>
-              <a:ea typeface="Microsoft YaHei" pitchFamily="2"/>
-              <a:cs typeface="Lucida Sans" pitchFamily="2"/>
-            </a:endParaRPr>
-          </a:p>
-          <a:p>
             <a:pPr marL="0" marR="0" lvl="0" indent="0" algn="l" rtl="0" hangingPunct="1">
               <a:lnSpc>
                 <a:spcPct val="100000"/>
@@ -8609,11 +11050,11 @@
   <p:clrMapOvr>
     <a:masterClrMapping/>
   </p:clrMapOvr>
-  <mc:AlternateContent xmlns:mc="http://schemas.openxmlformats.org/markup-compatibility/2006">
-    <mc:Choice xmlns:p14="http://schemas.microsoft.com/office/powerpoint/2010/main" Requires="p14">
+  <mc:AlternateContent xmlns:mc="http://schemas.openxmlformats.org/markup-compatibility/2006" xmlns:p14="http://schemas.microsoft.com/office/powerpoint/2010/main">
+    <mc:Choice Requires="p14">
       <p:transition spd="slow" p14:dur="2000"/>
     </mc:Choice>
-    <mc:Fallback>
+    <mc:Fallback xmlns="">
       <p:transition spd="slow"/>
     </mc:Fallback>
   </mc:AlternateContent>
@@ -8627,7 +11068,7 @@
 </p:sld>
 </file>
 
-<file path=ppt/slides/slide6.xml><?xml version="1.0" encoding="utf-8"?>
+<file path=ppt/slides/slide9.xml><?xml version="1.0" encoding="utf-8"?>
 <p:sld xmlns:a="http://schemas.openxmlformats.org/drawingml/2006/main" xmlns:r="http://schemas.openxmlformats.org/officeDocument/2006/relationships" xmlns:p="http://schemas.openxmlformats.org/presentationml/2006/main">
   <p:cSld>
     <p:spTree>
@@ -9039,746 +11480,11 @@
   <p:clrMapOvr>
     <a:masterClrMapping/>
   </p:clrMapOvr>
-  <mc:AlternateContent xmlns:mc="http://schemas.openxmlformats.org/markup-compatibility/2006">
-    <mc:Choice xmlns:p14="http://schemas.microsoft.com/office/powerpoint/2010/main" Requires="p14">
+  <mc:AlternateContent xmlns:mc="http://schemas.openxmlformats.org/markup-compatibility/2006" xmlns:p14="http://schemas.microsoft.com/office/powerpoint/2010/main">
+    <mc:Choice Requires="p14">
       <p:transition spd="slow" p14:dur="2000"/>
     </mc:Choice>
-    <mc:Fallback>
-      <p:transition spd="slow"/>
-    </mc:Fallback>
-  </mc:AlternateContent>
-  <p:timing>
-    <p:tnLst>
-      <p:par>
-        <p:cTn id="1" dur="indefinite" restart="never" nodeType="tmRoot"/>
-      </p:par>
-    </p:tnLst>
-  </p:timing>
-</p:sld>
-</file>
-
-<file path=ppt/slides/slide7.xml><?xml version="1.0" encoding="utf-8"?>
-<p:sld xmlns:a="http://schemas.openxmlformats.org/drawingml/2006/main" xmlns:r="http://schemas.openxmlformats.org/officeDocument/2006/relationships" xmlns:p="http://schemas.openxmlformats.org/presentationml/2006/main">
-  <p:cSld name="Slide5">
-    <p:spTree>
-      <p:nvGrpSpPr>
-        <p:cNvPr id="1" name=""/>
-        <p:cNvGrpSpPr/>
-        <p:nvPr/>
-      </p:nvGrpSpPr>
-      <p:grpSpPr>
-        <a:xfrm>
-          <a:off x="0" y="0"/>
-          <a:ext cx="0" cy="0"/>
-          <a:chOff x="0" y="0"/>
-          <a:chExt cx="0" cy="0"/>
-        </a:xfrm>
-      </p:grpSpPr>
-      <p:sp>
-        <p:nvSpPr>
-          <p:cNvPr id="2" name="ZoneTexte 3"/>
-          <p:cNvSpPr txBox="1"/>
-          <p:nvPr/>
-        </p:nvSpPr>
-        <p:spPr>
-          <a:xfrm>
-            <a:off x="359640" y="314640"/>
-            <a:ext cx="5959440" cy="584640"/>
-          </a:xfrm>
-          <a:prstGeom prst="rect">
-            <a:avLst/>
-          </a:prstGeom>
-          <a:noFill/>
-          <a:ln>
-            <a:noFill/>
-          </a:ln>
-        </p:spPr>
-        <p:txBody>
-          <a:bodyPr vert="horz" wrap="none" lIns="91440" tIns="45720" rIns="91440" bIns="45720" anchor="t" anchorCtr="0" compatLnSpc="0">
-            <a:spAutoFit/>
-          </a:bodyPr>
-          <a:lstStyle/>
-          <a:p>
-            <a:pPr marL="0" marR="0" lvl="0" indent="0" algn="l" rtl="0" hangingPunct="1">
-              <a:lnSpc>
-                <a:spcPct val="100000"/>
-              </a:lnSpc>
-              <a:spcBef>
-                <a:spcPts val="0"/>
-              </a:spcBef>
-              <a:spcAft>
-                <a:spcPts val="0"/>
-              </a:spcAft>
-              <a:buNone/>
-              <a:tabLst/>
-            </a:pPr>
-            <a:r>
-              <a:rPr lang="fr-FR" sz="3200" b="1" i="0" u="none" strike="noStrike" kern="1200" spc="0" baseline="0">
-                <a:ln>
-                  <a:noFill/>
-                </a:ln>
-                <a:solidFill>
-                  <a:srgbClr val="000000"/>
-                </a:solidFill>
-                <a:latin typeface="Calibri" pitchFamily="18"/>
-                <a:ea typeface="Microsoft YaHei" pitchFamily="2"/>
-                <a:cs typeface="Lucida Sans" pitchFamily="2"/>
-              </a:rPr>
-              <a:t>Etat de la valorisation et son futur</a:t>
-            </a:r>
-          </a:p>
-        </p:txBody>
-      </p:sp>
-      <p:sp>
-        <p:nvSpPr>
-          <p:cNvPr id="3" name="ZoneTexte 2"/>
-          <p:cNvSpPr txBox="1"/>
-          <p:nvPr/>
-        </p:nvSpPr>
-        <p:spPr>
-          <a:xfrm>
-            <a:off x="2002319" y="6507360"/>
-            <a:ext cx="8857080" cy="584640"/>
-          </a:xfrm>
-          <a:prstGeom prst="rect">
-            <a:avLst/>
-          </a:prstGeom>
-          <a:noFill/>
-          <a:ln>
-            <a:noFill/>
-          </a:ln>
-        </p:spPr>
-        <p:txBody>
-          <a:bodyPr vert="horz" wrap="square" lIns="91440" tIns="45720" rIns="91440" bIns="45720" anchor="t" anchorCtr="0" compatLnSpc="0">
-            <a:spAutoFit/>
-          </a:bodyPr>
-          <a:lstStyle/>
-          <a:p>
-            <a:pPr marL="0" marR="0" lvl="0" indent="0" algn="l" rtl="0" hangingPunct="1">
-              <a:lnSpc>
-                <a:spcPct val="100000"/>
-              </a:lnSpc>
-              <a:spcBef>
-                <a:spcPts val="0"/>
-              </a:spcBef>
-              <a:spcAft>
-                <a:spcPts val="0"/>
-              </a:spcAft>
-              <a:buNone/>
-              <a:tabLst/>
-            </a:pPr>
-            <a:r>
-              <a:rPr lang="fr-FR" sz="3200" b="1" i="1" u="none" strike="noStrike" kern="1200" spc="0" baseline="0">
-                <a:ln>
-                  <a:noFill/>
-                </a:ln>
-                <a:solidFill>
-                  <a:srgbClr val="E46C0A"/>
-                </a:solidFill>
-                <a:latin typeface="Comic Sans MS" pitchFamily="66"/>
-                <a:ea typeface="Microsoft YaHei" pitchFamily="2"/>
-                <a:cs typeface="Lucida Sans" pitchFamily="2"/>
-              </a:rPr>
-              <a:t>Démonstration du programme</a:t>
-            </a:r>
-          </a:p>
-        </p:txBody>
-      </p:sp>
-      <p:pic>
-        <p:nvPicPr>
-          <p:cNvPr id="4" name="Picture 3"/>
-          <p:cNvPicPr>
-            <a:picLocks noChangeAspect="1"/>
-          </p:cNvPicPr>
-          <p:nvPr/>
-        </p:nvPicPr>
-        <p:blipFill>
-          <a:blip r:embed="rId3"/>
-          <a:srcRect/>
-          <a:stretch>
-            <a:fillRect/>
-          </a:stretch>
-        </p:blipFill>
-        <p:spPr>
-          <a:xfrm>
-            <a:off x="936000" y="1065600"/>
-            <a:ext cx="8330760" cy="5312880"/>
-          </a:xfrm>
-          <a:prstGeom prst="rect">
-            <a:avLst/>
-          </a:prstGeom>
-          <a:noFill/>
-          <a:ln>
-            <a:noFill/>
-          </a:ln>
-        </p:spPr>
-      </p:pic>
-    </p:spTree>
-  </p:cSld>
-  <p:clrMapOvr>
-    <a:masterClrMapping/>
-  </p:clrMapOvr>
-  <mc:AlternateContent xmlns:mc="http://schemas.openxmlformats.org/markup-compatibility/2006">
-    <mc:Choice xmlns:p14="http://schemas.microsoft.com/office/powerpoint/2010/main" Requires="p14">
-      <p:transition spd="slow" p14:dur="2000"/>
-    </mc:Choice>
-    <mc:Fallback>
-      <p:transition spd="slow"/>
-    </mc:Fallback>
-  </mc:AlternateContent>
-  <p:timing>
-    <p:tnLst>
-      <p:par>
-        <p:cTn id="1" dur="indefinite" restart="never" nodeType="tmRoot"/>
-      </p:par>
-    </p:tnLst>
-  </p:timing>
-</p:sld>
-</file>
-
-<file path=ppt/slides/slide8.xml><?xml version="1.0" encoding="utf-8"?>
-<p:sld xmlns:a="http://schemas.openxmlformats.org/drawingml/2006/main" xmlns:r="http://schemas.openxmlformats.org/officeDocument/2006/relationships" xmlns:p="http://schemas.openxmlformats.org/presentationml/2006/main">
-  <p:cSld name="Slide6">
-    <p:spTree>
-      <p:nvGrpSpPr>
-        <p:cNvPr id="1" name=""/>
-        <p:cNvGrpSpPr/>
-        <p:nvPr/>
-      </p:nvGrpSpPr>
-      <p:grpSpPr>
-        <a:xfrm>
-          <a:off x="0" y="0"/>
-          <a:ext cx="0" cy="0"/>
-          <a:chOff x="0" y="0"/>
-          <a:chExt cx="0" cy="0"/>
-        </a:xfrm>
-      </p:grpSpPr>
-      <p:sp>
-        <p:nvSpPr>
-          <p:cNvPr id="2" name="ZoneTexte 3"/>
-          <p:cNvSpPr txBox="1"/>
-          <p:nvPr/>
-        </p:nvSpPr>
-        <p:spPr>
-          <a:xfrm>
-            <a:off x="359640" y="314640"/>
-            <a:ext cx="5959440" cy="584640"/>
-          </a:xfrm>
-          <a:prstGeom prst="rect">
-            <a:avLst/>
-          </a:prstGeom>
-          <a:noFill/>
-          <a:ln>
-            <a:noFill/>
-          </a:ln>
-        </p:spPr>
-        <p:txBody>
-          <a:bodyPr vert="horz" wrap="none" lIns="91440" tIns="45720" rIns="91440" bIns="45720" anchor="t" anchorCtr="0" compatLnSpc="0">
-            <a:spAutoFit/>
-          </a:bodyPr>
-          <a:lstStyle/>
-          <a:p>
-            <a:pPr marL="0" marR="0" lvl="0" indent="0" algn="l" rtl="0" hangingPunct="1">
-              <a:lnSpc>
-                <a:spcPct val="100000"/>
-              </a:lnSpc>
-              <a:spcBef>
-                <a:spcPts val="0"/>
-              </a:spcBef>
-              <a:spcAft>
-                <a:spcPts val="0"/>
-              </a:spcAft>
-              <a:buNone/>
-              <a:tabLst/>
-            </a:pPr>
-            <a:r>
-              <a:rPr lang="fr-FR" sz="3200" b="1" i="0" u="none" strike="noStrike" kern="1200" spc="0" baseline="0">
-                <a:ln>
-                  <a:noFill/>
-                </a:ln>
-                <a:solidFill>
-                  <a:srgbClr val="000000"/>
-                </a:solidFill>
-                <a:latin typeface="Calibri" pitchFamily="18"/>
-                <a:ea typeface="Microsoft YaHei" pitchFamily="2"/>
-                <a:cs typeface="Lucida Sans" pitchFamily="2"/>
-              </a:rPr>
-              <a:t>Etat de la valorisation et son futur</a:t>
-            </a:r>
-          </a:p>
-        </p:txBody>
-      </p:sp>
-      <p:sp>
-        <p:nvSpPr>
-          <p:cNvPr id="3" name="ZoneTexte 4"/>
-          <p:cNvSpPr txBox="1"/>
-          <p:nvPr/>
-        </p:nvSpPr>
-        <p:spPr>
-          <a:xfrm>
-            <a:off x="503640" y="1403639"/>
-            <a:ext cx="8569080" cy="1384920"/>
-          </a:xfrm>
-          <a:prstGeom prst="rect">
-            <a:avLst/>
-          </a:prstGeom>
-          <a:noFill/>
-          <a:ln>
-            <a:noFill/>
-          </a:ln>
-        </p:spPr>
-        <p:txBody>
-          <a:bodyPr vert="horz" wrap="square" lIns="91440" tIns="45720" rIns="91440" bIns="45720" anchor="t" anchorCtr="0" compatLnSpc="0">
-            <a:spAutoFit/>
-          </a:bodyPr>
-          <a:lstStyle/>
-          <a:p>
-            <a:pPr marL="0" marR="0" lvl="0" indent="0" algn="l" rtl="0" hangingPunct="1">
-              <a:lnSpc>
-                <a:spcPct val="100000"/>
-              </a:lnSpc>
-              <a:spcBef>
-                <a:spcPts val="0"/>
-              </a:spcBef>
-              <a:spcAft>
-                <a:spcPts val="0"/>
-              </a:spcAft>
-              <a:buNone/>
-              <a:tabLst/>
-            </a:pPr>
-            <a:endParaRPr lang="fr-FR" sz="2800" b="0" i="0" u="none" strike="noStrike" kern="1200" spc="0" baseline="0">
-              <a:ln>
-                <a:noFill/>
-              </a:ln>
-              <a:solidFill>
-                <a:srgbClr val="000000"/>
-              </a:solidFill>
-              <a:latin typeface="Calibri" pitchFamily="18"/>
-              <a:ea typeface="Microsoft YaHei" pitchFamily="2"/>
-              <a:cs typeface="Lucida Sans" pitchFamily="2"/>
-            </a:endParaRPr>
-          </a:p>
-          <a:p>
-            <a:pPr marL="0" marR="0" lvl="0" indent="0" algn="l" rtl="0" hangingPunct="1">
-              <a:lnSpc>
-                <a:spcPct val="100000"/>
-              </a:lnSpc>
-              <a:spcBef>
-                <a:spcPts val="0"/>
-              </a:spcBef>
-              <a:spcAft>
-                <a:spcPts val="0"/>
-              </a:spcAft>
-              <a:buNone/>
-              <a:tabLst/>
-            </a:pPr>
-            <a:endParaRPr lang="fr-FR" sz="2800" b="0" i="0" u="none" strike="noStrike" kern="1200" spc="0" baseline="0">
-              <a:ln>
-                <a:noFill/>
-              </a:ln>
-              <a:solidFill>
-                <a:srgbClr val="000000"/>
-              </a:solidFill>
-              <a:latin typeface="Calibri" pitchFamily="18"/>
-              <a:ea typeface="Microsoft YaHei" pitchFamily="2"/>
-              <a:cs typeface="Lucida Sans" pitchFamily="2"/>
-            </a:endParaRPr>
-          </a:p>
-          <a:p>
-            <a:pPr marL="0" marR="0" lvl="0" indent="0" algn="l" rtl="0" hangingPunct="1">
-              <a:lnSpc>
-                <a:spcPct val="100000"/>
-              </a:lnSpc>
-              <a:spcBef>
-                <a:spcPts val="0"/>
-              </a:spcBef>
-              <a:spcAft>
-                <a:spcPts val="0"/>
-              </a:spcAft>
-              <a:buNone/>
-              <a:tabLst/>
-            </a:pPr>
-            <a:endParaRPr lang="fr-FR" sz="2800" b="0" i="0" u="none" strike="noStrike" kern="1200" spc="0" baseline="0">
-              <a:ln>
-                <a:noFill/>
-              </a:ln>
-              <a:solidFill>
-                <a:srgbClr val="000000"/>
-              </a:solidFill>
-              <a:latin typeface="Calibri" pitchFamily="18"/>
-              <a:ea typeface="Microsoft YaHei" pitchFamily="2"/>
-              <a:cs typeface="Lucida Sans" pitchFamily="2"/>
-            </a:endParaRPr>
-          </a:p>
-        </p:txBody>
-      </p:sp>
-      <p:sp>
-        <p:nvSpPr>
-          <p:cNvPr id="4" name="ZoneTexte 1"/>
-          <p:cNvSpPr txBox="1"/>
-          <p:nvPr/>
-        </p:nvSpPr>
-        <p:spPr>
-          <a:xfrm>
-            <a:off x="503640" y="1511279"/>
-            <a:ext cx="8687520" cy="4831920"/>
-          </a:xfrm>
-          <a:prstGeom prst="rect">
-            <a:avLst/>
-          </a:prstGeom>
-          <a:noFill/>
-          <a:ln>
-            <a:noFill/>
-          </a:ln>
-        </p:spPr>
-        <p:txBody>
-          <a:bodyPr vert="horz" wrap="none" lIns="91440" tIns="45720" rIns="91440" bIns="45720" anchor="t" anchorCtr="0" compatLnSpc="0">
-            <a:spAutoFit/>
-          </a:bodyPr>
-          <a:lstStyle/>
-          <a:p>
-            <a:pPr marL="0" marR="0" lvl="0" indent="0" algn="l" rtl="0" hangingPunct="1">
-              <a:lnSpc>
-                <a:spcPct val="100000"/>
-              </a:lnSpc>
-              <a:spcBef>
-                <a:spcPts val="0"/>
-              </a:spcBef>
-              <a:spcAft>
-                <a:spcPts val="0"/>
-              </a:spcAft>
-              <a:buNone/>
-              <a:tabLst/>
-            </a:pPr>
-            <a:r>
-              <a:rPr lang="fr-FR" sz="3200" b="0" i="1" u="none" strike="noStrike" kern="1200" spc="0" baseline="0">
-                <a:ln>
-                  <a:noFill/>
-                </a:ln>
-                <a:solidFill>
-                  <a:srgbClr val="000000"/>
-                </a:solidFill>
-                <a:latin typeface="Cambria" pitchFamily="18"/>
-                <a:ea typeface="Microsoft YaHei" pitchFamily="2"/>
-                <a:cs typeface="Iskoola Pota" pitchFamily="34"/>
-              </a:rPr>
-              <a:t>Ce qu’il reste à faire:</a:t>
-            </a:r>
-          </a:p>
-          <a:p>
-            <a:pPr marL="457200" marR="0" lvl="0" indent="-457200" algn="l" rtl="0" hangingPunct="1">
-              <a:lnSpc>
-                <a:spcPct val="100000"/>
-              </a:lnSpc>
-              <a:spcBef>
-                <a:spcPts val="0"/>
-              </a:spcBef>
-              <a:spcAft>
-                <a:spcPts val="0"/>
-              </a:spcAft>
-              <a:buNone/>
-              <a:tabLst/>
-            </a:pPr>
-            <a:endParaRPr lang="fr-FR" sz="3200" b="0" i="0" u="none" strike="noStrike" kern="1200" spc="0" baseline="0">
-              <a:ln>
-                <a:noFill/>
-              </a:ln>
-              <a:solidFill>
-                <a:srgbClr val="000000"/>
-              </a:solidFill>
-              <a:latin typeface="Cambria" pitchFamily="18"/>
-              <a:ea typeface="Microsoft YaHei" pitchFamily="2"/>
-              <a:cs typeface="Iskoola Pota" pitchFamily="34"/>
-            </a:endParaRPr>
-          </a:p>
-          <a:p>
-            <a:pPr marL="457200" marR="0" lvl="0" indent="-457200" algn="l" rtl="0" hangingPunct="1">
-              <a:lnSpc>
-                <a:spcPct val="100000"/>
-              </a:lnSpc>
-              <a:spcBef>
-                <a:spcPts val="0"/>
-              </a:spcBef>
-              <a:spcAft>
-                <a:spcPts val="0"/>
-              </a:spcAft>
-              <a:buSzPct val="100000"/>
-              <a:buFont typeface="Arial" pitchFamily="34"/>
-              <a:buChar char="•"/>
-              <a:tabLst/>
-            </a:pPr>
-            <a:r>
-              <a:rPr lang="fr-FR" sz="2800" b="0" i="0" u="none" strike="noStrike" kern="1200" spc="0" baseline="0">
-                <a:ln>
-                  <a:noFill/>
-                </a:ln>
-                <a:solidFill>
-                  <a:srgbClr val="000000"/>
-                </a:solidFill>
-                <a:latin typeface="Cambria" pitchFamily="18"/>
-                <a:ea typeface="Microsoft YaHei" pitchFamily="2"/>
-                <a:cs typeface="Iskoola Pota" pitchFamily="34"/>
-              </a:rPr>
-              <a:t>Détecter et résoudre deux gaussiennes proches</a:t>
-            </a:r>
-          </a:p>
-          <a:p>
-            <a:pPr marL="457200" marR="0" lvl="0" indent="-457200" algn="l" rtl="0" hangingPunct="1">
-              <a:lnSpc>
-                <a:spcPct val="100000"/>
-              </a:lnSpc>
-              <a:spcBef>
-                <a:spcPts val="0"/>
-              </a:spcBef>
-              <a:spcAft>
-                <a:spcPts val="0"/>
-              </a:spcAft>
-              <a:buSzPct val="100000"/>
-              <a:buFont typeface="Arial" pitchFamily="34"/>
-              <a:buChar char="•"/>
-              <a:tabLst/>
-            </a:pPr>
-            <a:r>
-              <a:rPr lang="fr-FR" sz="2800" b="0" i="0" u="none" strike="noStrike" kern="1200" spc="0" baseline="0">
-                <a:ln>
-                  <a:noFill/>
-                </a:ln>
-                <a:solidFill>
-                  <a:srgbClr val="000000"/>
-                </a:solidFill>
-                <a:latin typeface="Cambria" pitchFamily="18"/>
-                <a:ea typeface="Microsoft YaHei" pitchFamily="2"/>
-                <a:cs typeface="Iskoola Pota" pitchFamily="34"/>
-              </a:rPr>
-              <a:t>Améliorer les logs (liste des opérations)</a:t>
-            </a:r>
-          </a:p>
-          <a:p>
-            <a:pPr marL="457200" marR="0" lvl="0" indent="-457200" algn="l" rtl="0" hangingPunct="1">
-              <a:lnSpc>
-                <a:spcPct val="100000"/>
-              </a:lnSpc>
-              <a:spcBef>
-                <a:spcPts val="0"/>
-              </a:spcBef>
-              <a:spcAft>
-                <a:spcPts val="0"/>
-              </a:spcAft>
-              <a:buSzPct val="100000"/>
-              <a:buFont typeface="Arial" pitchFamily="34"/>
-              <a:buChar char="•"/>
-              <a:tabLst/>
-            </a:pPr>
-            <a:r>
-              <a:rPr lang="fr-FR" sz="2800" b="0" i="0" u="none" strike="noStrike" kern="1200" spc="0" baseline="0">
-                <a:ln>
-                  <a:noFill/>
-                </a:ln>
-                <a:solidFill>
-                  <a:srgbClr val="000000"/>
-                </a:solidFill>
-                <a:latin typeface="Cambria" pitchFamily="18"/>
-                <a:ea typeface="Microsoft YaHei" pitchFamily="2"/>
-                <a:cs typeface="Iskoola Pota" pitchFamily="34"/>
-              </a:rPr>
-              <a:t>Comparer les images par superposition</a:t>
-            </a:r>
-          </a:p>
-          <a:p>
-            <a:pPr marL="0" marR="0" lvl="0" indent="0" algn="l" rtl="0" hangingPunct="1">
-              <a:lnSpc>
-                <a:spcPct val="100000"/>
-              </a:lnSpc>
-              <a:spcBef>
-                <a:spcPts val="0"/>
-              </a:spcBef>
-              <a:spcAft>
-                <a:spcPts val="0"/>
-              </a:spcAft>
-              <a:buNone/>
-              <a:tabLst/>
-            </a:pPr>
-            <a:endParaRPr lang="fr-FR" sz="3200" b="0" i="0" u="none" strike="noStrike" kern="1200" spc="0" baseline="0">
-              <a:ln>
-                <a:noFill/>
-              </a:ln>
-              <a:solidFill>
-                <a:srgbClr val="000000"/>
-              </a:solidFill>
-              <a:latin typeface="Cambria" pitchFamily="18"/>
-              <a:ea typeface="Microsoft YaHei" pitchFamily="2"/>
-              <a:cs typeface="Iskoola Pota" pitchFamily="34"/>
-            </a:endParaRPr>
-          </a:p>
-          <a:p>
-            <a:pPr marL="0" marR="0" lvl="0" indent="0" algn="l" rtl="0" hangingPunct="1">
-              <a:lnSpc>
-                <a:spcPct val="100000"/>
-              </a:lnSpc>
-              <a:spcBef>
-                <a:spcPts val="0"/>
-              </a:spcBef>
-              <a:spcAft>
-                <a:spcPts val="0"/>
-              </a:spcAft>
-              <a:buNone/>
-              <a:tabLst/>
-            </a:pPr>
-            <a:r>
-              <a:rPr lang="fr-FR" sz="3200" b="0" i="1" u="none" strike="noStrike" kern="1200" spc="0" baseline="0">
-                <a:ln>
-                  <a:noFill/>
-                </a:ln>
-                <a:solidFill>
-                  <a:srgbClr val="000000"/>
-                </a:solidFill>
-                <a:latin typeface="Cambria" pitchFamily="18"/>
-                <a:ea typeface="Microsoft YaHei" pitchFamily="2"/>
-                <a:cs typeface="Iskoola Pota" pitchFamily="34"/>
-              </a:rPr>
-              <a:t>Autres idées:</a:t>
-            </a:r>
-          </a:p>
-          <a:p>
-            <a:pPr marL="0" marR="0" lvl="0" indent="0" algn="l" rtl="0" hangingPunct="1">
-              <a:lnSpc>
-                <a:spcPct val="100000"/>
-              </a:lnSpc>
-              <a:spcBef>
-                <a:spcPts val="0"/>
-              </a:spcBef>
-              <a:spcAft>
-                <a:spcPts val="0"/>
-              </a:spcAft>
-              <a:buNone/>
-              <a:tabLst/>
-            </a:pPr>
-            <a:endParaRPr lang="fr-FR" sz="3200" b="0" i="0" u="none" strike="noStrike" kern="1200" spc="0" baseline="0">
-              <a:ln>
-                <a:noFill/>
-              </a:ln>
-              <a:solidFill>
-                <a:srgbClr val="000000"/>
-              </a:solidFill>
-              <a:latin typeface="Cambria" pitchFamily="18"/>
-              <a:ea typeface="Microsoft YaHei" pitchFamily="2"/>
-              <a:cs typeface="Iskoola Pota" pitchFamily="34"/>
-            </a:endParaRPr>
-          </a:p>
-          <a:p>
-            <a:pPr marL="457200" marR="0" lvl="0" indent="-457200" algn="l" rtl="0" hangingPunct="1">
-              <a:lnSpc>
-                <a:spcPct val="100000"/>
-              </a:lnSpc>
-              <a:spcBef>
-                <a:spcPts val="0"/>
-              </a:spcBef>
-              <a:spcAft>
-                <a:spcPts val="0"/>
-              </a:spcAft>
-              <a:buSzPct val="100000"/>
-              <a:buFont typeface="Arial" pitchFamily="34"/>
-              <a:buChar char="•"/>
-              <a:tabLst/>
-            </a:pPr>
-            <a:r>
-              <a:rPr lang="fr-FR" sz="2800" b="0" i="0" u="none" strike="noStrike" kern="1200" spc="0" baseline="0">
-                <a:ln>
-                  <a:noFill/>
-                </a:ln>
-                <a:solidFill>
-                  <a:srgbClr val="000000"/>
-                </a:solidFill>
-                <a:latin typeface="Cambria" pitchFamily="18"/>
-                <a:ea typeface="Microsoft YaHei" pitchFamily="2"/>
-                <a:cs typeface="Iskoola Pota" pitchFamily="34"/>
-              </a:rPr>
-              <a:t>Implémenter un passe haut/bas</a:t>
-            </a:r>
-          </a:p>
-          <a:p>
-            <a:pPr marL="457200" marR="0" lvl="0" indent="-457200" algn="l" rtl="0" hangingPunct="1">
-              <a:lnSpc>
-                <a:spcPct val="100000"/>
-              </a:lnSpc>
-              <a:spcBef>
-                <a:spcPts val="0"/>
-              </a:spcBef>
-              <a:spcAft>
-                <a:spcPts val="0"/>
-              </a:spcAft>
-              <a:buSzPct val="100000"/>
-              <a:buFont typeface="Arial" pitchFamily="34"/>
-              <a:buChar char="•"/>
-              <a:tabLst/>
-            </a:pPr>
-            <a:r>
-              <a:rPr lang="fr-FR" sz="2800" b="0" i="0" u="none" strike="noStrike" kern="1200" spc="0" baseline="0">
-                <a:ln>
-                  <a:noFill/>
-                </a:ln>
-                <a:solidFill>
-                  <a:srgbClr val="000000"/>
-                </a:solidFill>
-                <a:latin typeface="Cambria" pitchFamily="18"/>
-                <a:ea typeface="Microsoft YaHei" pitchFamily="2"/>
-                <a:cs typeface="Iskoola Pota" pitchFamily="34"/>
-              </a:rPr>
-              <a:t>Se souvenir des résultats précédents</a:t>
-            </a:r>
-          </a:p>
-        </p:txBody>
-      </p:sp>
-    </p:spTree>
-  </p:cSld>
-  <p:clrMapOvr>
-    <a:masterClrMapping/>
-  </p:clrMapOvr>
-  <mc:AlternateContent xmlns:mc="http://schemas.openxmlformats.org/markup-compatibility/2006">
-    <mc:Choice xmlns:p14="http://schemas.microsoft.com/office/powerpoint/2010/main" Requires="p14">
-      <p:transition spd="slow" p14:dur="2000"/>
-    </mc:Choice>
-    <mc:Fallback>
-      <p:transition spd="slow"/>
-    </mc:Fallback>
-  </mc:AlternateContent>
-  <p:timing>
-    <p:tnLst>
-      <p:par>
-        <p:cTn id="1" dur="indefinite" restart="never" nodeType="tmRoot"/>
-      </p:par>
-    </p:tnLst>
-  </p:timing>
-</p:sld>
-</file>
-
-<file path=ppt/slides/slide9.xml><?xml version="1.0" encoding="utf-8"?>
-<p:sld xmlns:a="http://schemas.openxmlformats.org/drawingml/2006/main" xmlns:r="http://schemas.openxmlformats.org/officeDocument/2006/relationships" xmlns:p="http://schemas.openxmlformats.org/presentationml/2006/main">
-  <p:cSld name="Slide4">
-    <p:spTree>
-      <p:nvGrpSpPr>
-        <p:cNvPr id="1" name=""/>
-        <p:cNvGrpSpPr/>
-        <p:nvPr/>
-      </p:nvGrpSpPr>
-      <p:grpSpPr>
-        <a:xfrm>
-          <a:off x="0" y="0"/>
-          <a:ext cx="0" cy="0"/>
-          <a:chOff x="0" y="0"/>
-          <a:chExt cx="0" cy="0"/>
-        </a:xfrm>
-      </p:grpSpPr>
-    </p:spTree>
-  </p:cSld>
-  <p:clrMapOvr>
-    <a:masterClrMapping/>
-  </p:clrMapOvr>
-  <mc:AlternateContent xmlns:mc="http://schemas.openxmlformats.org/markup-compatibility/2006">
-    <mc:Choice xmlns:p14="http://schemas.microsoft.com/office/powerpoint/2010/main" Requires="p14">
-      <p:transition spd="slow" p14:dur="2000"/>
-    </mc:Choice>
-    <mc:Fallback>
+    <mc:Fallback xmlns="">
       <p:transition spd="slow"/>
     </mc:Fallback>
   </mc:AlternateContent>
